--- a/trunk/9. Presentation/AS_DeadlineTeam_Week24.pptx
+++ b/trunk/9. Presentation/AS_DeadlineTeam_Week24.pptx
@@ -262,7 +262,7 @@
           <a:p>
             <a:fld id="{6D892D68-995E-4539-9486-B6D10005290E}" type="datetimeFigureOut">
               <a:rPr lang="vi-VN" smtClean="0"/>
-              <a:t>22/04/2014</a:t>
+              <a:t>23/04/2014</a:t>
             </a:fld>
             <a:endParaRPr lang="vi-VN"/>
           </a:p>
@@ -432,7 +432,7 @@
           <a:p>
             <a:fld id="{6D892D68-995E-4539-9486-B6D10005290E}" type="datetimeFigureOut">
               <a:rPr lang="vi-VN" smtClean="0"/>
-              <a:t>22/04/2014</a:t>
+              <a:t>23/04/2014</a:t>
             </a:fld>
             <a:endParaRPr lang="vi-VN"/>
           </a:p>
@@ -612,7 +612,7 @@
           <a:p>
             <a:fld id="{6D892D68-995E-4539-9486-B6D10005290E}" type="datetimeFigureOut">
               <a:rPr lang="vi-VN" smtClean="0"/>
-              <a:t>22/04/2014</a:t>
+              <a:t>23/04/2014</a:t>
             </a:fld>
             <a:endParaRPr lang="vi-VN"/>
           </a:p>
@@ -782,7 +782,7 @@
           <a:p>
             <a:fld id="{6D892D68-995E-4539-9486-B6D10005290E}" type="datetimeFigureOut">
               <a:rPr lang="vi-VN" smtClean="0"/>
-              <a:t>22/04/2014</a:t>
+              <a:t>23/04/2014</a:t>
             </a:fld>
             <a:endParaRPr lang="vi-VN"/>
           </a:p>
@@ -1028,7 +1028,7 @@
           <a:p>
             <a:fld id="{6D892D68-995E-4539-9486-B6D10005290E}" type="datetimeFigureOut">
               <a:rPr lang="vi-VN" smtClean="0"/>
-              <a:t>22/04/2014</a:t>
+              <a:t>23/04/2014</a:t>
             </a:fld>
             <a:endParaRPr lang="vi-VN"/>
           </a:p>
@@ -1260,7 +1260,7 @@
           <a:p>
             <a:fld id="{6D892D68-995E-4539-9486-B6D10005290E}" type="datetimeFigureOut">
               <a:rPr lang="vi-VN" smtClean="0"/>
-              <a:t>22/04/2014</a:t>
+              <a:t>23/04/2014</a:t>
             </a:fld>
             <a:endParaRPr lang="vi-VN"/>
           </a:p>
@@ -1627,7 +1627,7 @@
           <a:p>
             <a:fld id="{6D892D68-995E-4539-9486-B6D10005290E}" type="datetimeFigureOut">
               <a:rPr lang="vi-VN" smtClean="0"/>
-              <a:t>22/04/2014</a:t>
+              <a:t>23/04/2014</a:t>
             </a:fld>
             <a:endParaRPr lang="vi-VN"/>
           </a:p>
@@ -1745,7 +1745,7 @@
           <a:p>
             <a:fld id="{6D892D68-995E-4539-9486-B6D10005290E}" type="datetimeFigureOut">
               <a:rPr lang="vi-VN" smtClean="0"/>
-              <a:t>22/04/2014</a:t>
+              <a:t>23/04/2014</a:t>
             </a:fld>
             <a:endParaRPr lang="vi-VN"/>
           </a:p>
@@ -1840,7 +1840,7 @@
           <a:p>
             <a:fld id="{6D892D68-995E-4539-9486-B6D10005290E}" type="datetimeFigureOut">
               <a:rPr lang="vi-VN" smtClean="0"/>
-              <a:t>22/04/2014</a:t>
+              <a:t>23/04/2014</a:t>
             </a:fld>
             <a:endParaRPr lang="vi-VN"/>
           </a:p>
@@ -2117,7 +2117,7 @@
           <a:p>
             <a:fld id="{6D892D68-995E-4539-9486-B6D10005290E}" type="datetimeFigureOut">
               <a:rPr lang="vi-VN" smtClean="0"/>
-              <a:t>22/04/2014</a:t>
+              <a:t>23/04/2014</a:t>
             </a:fld>
             <a:endParaRPr lang="vi-VN"/>
           </a:p>
@@ -2370,7 +2370,7 @@
           <a:p>
             <a:fld id="{6D892D68-995E-4539-9486-B6D10005290E}" type="datetimeFigureOut">
               <a:rPr lang="vi-VN" smtClean="0"/>
-              <a:t>22/04/2014</a:t>
+              <a:t>23/04/2014</a:t>
             </a:fld>
             <a:endParaRPr lang="vi-VN"/>
           </a:p>
@@ -2583,7 +2583,7 @@
           <a:p>
             <a:fld id="{6D892D68-995E-4539-9486-B6D10005290E}" type="datetimeFigureOut">
               <a:rPr lang="vi-VN" smtClean="0"/>
-              <a:t>22/04/2014</a:t>
+              <a:t>23/04/2014</a:t>
             </a:fld>
             <a:endParaRPr lang="vi-VN"/>
           </a:p>
@@ -3108,31 +3108,7 @@
                 <a:latin typeface="Arial" panose="020B0604020202020204" pitchFamily="34" charset="0"/>
                 <a:cs typeface="Arial" panose="020B0604020202020204" pitchFamily="34" charset="0"/>
               </a:rPr>
-              <a:t>Week </a:t>
-            </a:r>
-            <a:r>
-              <a:rPr lang="en-US" sz="2000" dirty="0" smtClean="0">
-                <a:solidFill>
-                  <a:schemeClr val="accent5">
-                    <a:lumMod val="50000"/>
-                  </a:schemeClr>
-                </a:solidFill>
-                <a:latin typeface="Arial" panose="020B0604020202020204" pitchFamily="34" charset="0"/>
-                <a:cs typeface="Arial" panose="020B0604020202020204" pitchFamily="34" charset="0"/>
-              </a:rPr>
-              <a:t>24(17/4/2014-23/4/2014</a:t>
-            </a:r>
-            <a:r>
-              <a:rPr lang="en-US" sz="2000" dirty="0" smtClean="0">
-                <a:solidFill>
-                  <a:schemeClr val="accent5">
-                    <a:lumMod val="50000"/>
-                  </a:schemeClr>
-                </a:solidFill>
-                <a:latin typeface="Arial" panose="020B0604020202020204" pitchFamily="34" charset="0"/>
-                <a:cs typeface="Arial" panose="020B0604020202020204" pitchFamily="34" charset="0"/>
-              </a:rPr>
-              <a:t>)</a:t>
+              <a:t>Week 24(17/4/2014-23/4/2014)</a:t>
             </a:r>
           </a:p>
           <a:p>
@@ -4026,14 +4002,14 @@
           <p:nvPr>
             <p:extLst>
               <p:ext uri="{D42A27DB-BD31-4B8C-83A1-F6EECF244321}">
-                <p14:modId xmlns:p14="http://schemas.microsoft.com/office/powerpoint/2010/main" val="3775204156"/>
+                <p14:modId xmlns:p14="http://schemas.microsoft.com/office/powerpoint/2010/main" val="2814600974"/>
               </p:ext>
             </p:extLst>
           </p:nvPr>
         </p:nvGraphicFramePr>
         <p:xfrm>
           <a:off x="1748254" y="1482084"/>
-          <a:ext cx="8128000" cy="4592320"/>
+          <a:ext cx="8128000" cy="4831080"/>
         </p:xfrm>
         <a:graphic>
           <a:graphicData uri="http://schemas.openxmlformats.org/drawingml/2006/table">
@@ -4186,12 +4162,174 @@
                   <a:tcPr/>
                 </a:tc>
               </a:tr>
+              <a:tr h="216508">
+                <a:tc>
+                  <a:txBody>
+                    <a:bodyPr/>
+                    <a:lstStyle/>
+                    <a:p>
+                      <a:r>
+                        <a:rPr lang="en-US" sz="1400" dirty="0" smtClean="0">
+                          <a:latin typeface="Times New Roman" panose="02020603050405020304" pitchFamily="18" charset="0"/>
+                          <a:cs typeface="Times New Roman" panose="02020603050405020304" pitchFamily="18" charset="0"/>
+                        </a:rPr>
+                        <a:t>File </a:t>
+                      </a:r>
+                      <a:r>
+                        <a:rPr lang="en-US" sz="1400" dirty="0" err="1" smtClean="0">
+                          <a:latin typeface="Times New Roman" panose="02020603050405020304" pitchFamily="18" charset="0"/>
+                          <a:cs typeface="Times New Roman" panose="02020603050405020304" pitchFamily="18" charset="0"/>
+                        </a:rPr>
+                        <a:t>cấu</a:t>
+                      </a:r>
+                      <a:r>
+                        <a:rPr lang="en-US" sz="1400" baseline="0" dirty="0" smtClean="0">
+                          <a:latin typeface="Times New Roman" panose="02020603050405020304" pitchFamily="18" charset="0"/>
+                          <a:cs typeface="Times New Roman" panose="02020603050405020304" pitchFamily="18" charset="0"/>
+                        </a:rPr>
+                        <a:t> </a:t>
+                      </a:r>
+                      <a:r>
+                        <a:rPr lang="en-US" sz="1400" baseline="0" dirty="0" err="1" smtClean="0">
+                          <a:latin typeface="Times New Roman" panose="02020603050405020304" pitchFamily="18" charset="0"/>
+                          <a:cs typeface="Times New Roman" panose="02020603050405020304" pitchFamily="18" charset="0"/>
+                        </a:rPr>
+                        <a:t>hình</a:t>
+                      </a:r>
+                      <a:r>
+                        <a:rPr lang="en-US" sz="1400" baseline="0" dirty="0" smtClean="0">
+                          <a:latin typeface="Times New Roman" panose="02020603050405020304" pitchFamily="18" charset="0"/>
+                          <a:cs typeface="Times New Roman" panose="02020603050405020304" pitchFamily="18" charset="0"/>
+                        </a:rPr>
+                        <a:t> </a:t>
+                      </a:r>
+                      <a:r>
+                        <a:rPr lang="en-US" sz="1400" baseline="0" dirty="0" err="1" smtClean="0">
+                          <a:latin typeface="Times New Roman" panose="02020603050405020304" pitchFamily="18" charset="0"/>
+                          <a:cs typeface="Times New Roman" panose="02020603050405020304" pitchFamily="18" charset="0"/>
+                        </a:rPr>
+                        <a:t>tập</a:t>
+                      </a:r>
+                      <a:r>
+                        <a:rPr lang="en-US" sz="1400" baseline="0" dirty="0" smtClean="0">
+                          <a:latin typeface="Times New Roman" panose="02020603050405020304" pitchFamily="18" charset="0"/>
+                          <a:cs typeface="Times New Roman" panose="02020603050405020304" pitchFamily="18" charset="0"/>
+                        </a:rPr>
+                        <a:t> </a:t>
+                      </a:r>
+                      <a:r>
+                        <a:rPr lang="en-US" sz="1400" baseline="0" dirty="0" err="1" smtClean="0">
+                          <a:latin typeface="Times New Roman" panose="02020603050405020304" pitchFamily="18" charset="0"/>
+                          <a:cs typeface="Times New Roman" panose="02020603050405020304" pitchFamily="18" charset="0"/>
+                        </a:rPr>
+                        <a:t>trung</a:t>
+                      </a:r>
+                      <a:r>
+                        <a:rPr lang="en-US" sz="1400" baseline="0" dirty="0" smtClean="0">
+                          <a:latin typeface="Times New Roman" panose="02020603050405020304" pitchFamily="18" charset="0"/>
+                          <a:cs typeface="Times New Roman" panose="02020603050405020304" pitchFamily="18" charset="0"/>
+                        </a:rPr>
+                        <a:t> </a:t>
+                      </a:r>
+                      <a:r>
+                        <a:rPr lang="en-US" sz="1400" baseline="0" dirty="0" err="1" smtClean="0">
+                          <a:latin typeface="Times New Roman" panose="02020603050405020304" pitchFamily="18" charset="0"/>
+                          <a:cs typeface="Times New Roman" panose="02020603050405020304" pitchFamily="18" charset="0"/>
+                        </a:rPr>
+                        <a:t>phân</a:t>
+                      </a:r>
+                      <a:r>
+                        <a:rPr lang="en-US" sz="1400" baseline="0" dirty="0" smtClean="0">
+                          <a:latin typeface="Times New Roman" panose="02020603050405020304" pitchFamily="18" charset="0"/>
+                          <a:cs typeface="Times New Roman" panose="02020603050405020304" pitchFamily="18" charset="0"/>
+                        </a:rPr>
+                        <a:t> </a:t>
+                      </a:r>
+                      <a:r>
+                        <a:rPr lang="en-US" sz="1400" baseline="0" dirty="0" err="1" smtClean="0">
+                          <a:latin typeface="Times New Roman" panose="02020603050405020304" pitchFamily="18" charset="0"/>
+                          <a:cs typeface="Times New Roman" panose="02020603050405020304" pitchFamily="18" charset="0"/>
+                        </a:rPr>
+                        <a:t>tán</a:t>
+                      </a:r>
+                      <a:endParaRPr lang="en-US" sz="1400" dirty="0">
+                        <a:latin typeface="Times New Roman" panose="02020603050405020304" pitchFamily="18" charset="0"/>
+                        <a:cs typeface="Times New Roman" panose="02020603050405020304" pitchFamily="18" charset="0"/>
+                      </a:endParaRPr>
+                    </a:p>
+                  </a:txBody>
+                  <a:tcPr/>
+                </a:tc>
+                <a:tc>
+                  <a:txBody>
+                    <a:bodyPr/>
+                    <a:lstStyle/>
+                    <a:p>
+                      <a:pPr algn="ctr"/>
+                      <a:r>
+                        <a:rPr lang="en-US" sz="1400" dirty="0" smtClean="0">
+                          <a:latin typeface="Times New Roman" panose="02020603050405020304" pitchFamily="18" charset="0"/>
+                          <a:cs typeface="Times New Roman" panose="02020603050405020304" pitchFamily="18" charset="0"/>
+                        </a:rPr>
+                        <a:t>Châu</a:t>
+                      </a:r>
+                      <a:endParaRPr lang="en-US" sz="1400" dirty="0">
+                        <a:latin typeface="Times New Roman" panose="02020603050405020304" pitchFamily="18" charset="0"/>
+                        <a:cs typeface="Times New Roman" panose="02020603050405020304" pitchFamily="18" charset="0"/>
+                      </a:endParaRPr>
+                    </a:p>
+                  </a:txBody>
+                  <a:tcPr/>
+                </a:tc>
+              </a:tr>
               <a:tr h="236560">
                 <a:tc>
                   <a:txBody>
                     <a:bodyPr/>
                     <a:lstStyle/>
                     <a:p>
+                      <a:r>
+                        <a:rPr lang="en-US" sz="1400" dirty="0" err="1" smtClean="0">
+                          <a:latin typeface="Times New Roman" panose="02020603050405020304" pitchFamily="18" charset="0"/>
+                          <a:cs typeface="Times New Roman" panose="02020603050405020304" pitchFamily="18" charset="0"/>
+                        </a:rPr>
+                        <a:t>Quản</a:t>
+                      </a:r>
+                      <a:r>
+                        <a:rPr lang="en-US" sz="1400" baseline="0" dirty="0" smtClean="0">
+                          <a:latin typeface="Times New Roman" panose="02020603050405020304" pitchFamily="18" charset="0"/>
+                          <a:cs typeface="Times New Roman" panose="02020603050405020304" pitchFamily="18" charset="0"/>
+                        </a:rPr>
+                        <a:t> </a:t>
+                      </a:r>
+                      <a:r>
+                        <a:rPr lang="en-US" sz="1400" baseline="0" dirty="0" err="1" smtClean="0">
+                          <a:latin typeface="Times New Roman" panose="02020603050405020304" pitchFamily="18" charset="0"/>
+                          <a:cs typeface="Times New Roman" panose="02020603050405020304" pitchFamily="18" charset="0"/>
+                        </a:rPr>
+                        <a:t>trị</a:t>
+                      </a:r>
+                      <a:r>
+                        <a:rPr lang="en-US" sz="1400" baseline="0" dirty="0" smtClean="0">
+                          <a:latin typeface="Times New Roman" panose="02020603050405020304" pitchFamily="18" charset="0"/>
+                          <a:cs typeface="Times New Roman" panose="02020603050405020304" pitchFamily="18" charset="0"/>
+                        </a:rPr>
+                        <a:t> </a:t>
+                      </a:r>
+                      <a:r>
+                        <a:rPr lang="en-US" sz="1400" baseline="0" dirty="0" err="1" smtClean="0">
+                          <a:latin typeface="Times New Roman" panose="02020603050405020304" pitchFamily="18" charset="0"/>
+                          <a:cs typeface="Times New Roman" panose="02020603050405020304" pitchFamily="18" charset="0"/>
+                        </a:rPr>
+                        <a:t>người</a:t>
+                      </a:r>
+                      <a:r>
+                        <a:rPr lang="en-US" sz="1400" baseline="0" dirty="0" smtClean="0">
+                          <a:latin typeface="Times New Roman" panose="02020603050405020304" pitchFamily="18" charset="0"/>
+                          <a:cs typeface="Times New Roman" panose="02020603050405020304" pitchFamily="18" charset="0"/>
+                        </a:rPr>
+                        <a:t> dung</a:t>
+                      </a:r>
                       <a:endParaRPr lang="en-US" sz="1400" dirty="0">
                         <a:latin typeface="Times New Roman" panose="02020603050405020304" pitchFamily="18" charset="0"/>
                         <a:cs typeface="Times New Roman" panose="02020603050405020304" pitchFamily="18" charset="0"/>
@@ -4228,6 +4366,34 @@
                     <a:bodyPr/>
                     <a:lstStyle/>
                     <a:p>
+                      <a:r>
+                        <a:rPr lang="en-US" sz="1400" dirty="0" err="1" smtClean="0">
+                          <a:latin typeface="Times New Roman" panose="02020603050405020304" pitchFamily="18" charset="0"/>
+                          <a:cs typeface="Times New Roman" panose="02020603050405020304" pitchFamily="18" charset="0"/>
+                        </a:rPr>
+                        <a:t>Cập</a:t>
+                      </a:r>
+                      <a:r>
+                        <a:rPr lang="en-US" sz="1400" baseline="0" dirty="0" smtClean="0">
+                          <a:latin typeface="Times New Roman" panose="02020603050405020304" pitchFamily="18" charset="0"/>
+                          <a:cs typeface="Times New Roman" panose="02020603050405020304" pitchFamily="18" charset="0"/>
+                        </a:rPr>
+                        <a:t> </a:t>
+                      </a:r>
+                      <a:r>
+                        <a:rPr lang="en-US" sz="1400" baseline="0" dirty="0" err="1" smtClean="0">
+                          <a:latin typeface="Times New Roman" panose="02020603050405020304" pitchFamily="18" charset="0"/>
+                          <a:cs typeface="Times New Roman" panose="02020603050405020304" pitchFamily="18" charset="0"/>
+                        </a:rPr>
+                        <a:t>nhật</a:t>
+                      </a:r>
+                      <a:r>
+                        <a:rPr lang="en-US" sz="1400" baseline="0" dirty="0" smtClean="0">
+                          <a:latin typeface="Times New Roman" panose="02020603050405020304" pitchFamily="18" charset="0"/>
+                          <a:cs typeface="Times New Roman" panose="02020603050405020304" pitchFamily="18" charset="0"/>
+                        </a:rPr>
+                        <a:t> index</a:t>
+                      </a:r>
                       <a:endParaRPr lang="en-US" sz="1400" dirty="0">
                         <a:latin typeface="Times New Roman" panose="02020603050405020304" pitchFamily="18" charset="0"/>
                         <a:cs typeface="Times New Roman" panose="02020603050405020304" pitchFamily="18" charset="0"/>
@@ -4264,6 +4430,119 @@
                     <a:bodyPr/>
                     <a:lstStyle/>
                     <a:p>
+                      <a:r>
+                        <a:rPr lang="en-US" sz="1400" dirty="0" smtClean="0">
+                          <a:latin typeface="Times New Roman" panose="02020603050405020304" pitchFamily="18" charset="0"/>
+                          <a:cs typeface="Times New Roman" panose="02020603050405020304" pitchFamily="18" charset="0"/>
+                        </a:rPr>
+                        <a:t>Deploy-</a:t>
+                      </a:r>
+                      <a:r>
+                        <a:rPr lang="en-US" sz="1400" dirty="0" err="1" smtClean="0">
+                          <a:latin typeface="Times New Roman" panose="02020603050405020304" pitchFamily="18" charset="0"/>
+                          <a:cs typeface="Times New Roman" panose="02020603050405020304" pitchFamily="18" charset="0"/>
+                        </a:rPr>
+                        <a:t>cong</a:t>
+                      </a:r>
+                      <a:r>
+                        <a:rPr lang="en-US" sz="1400" dirty="0" smtClean="0">
+                          <a:latin typeface="Times New Roman" panose="02020603050405020304" pitchFamily="18" charset="0"/>
+                          <a:cs typeface="Times New Roman" panose="02020603050405020304" pitchFamily="18" charset="0"/>
+                        </a:rPr>
+                        <a:t> cu </a:t>
+                      </a:r>
+                      <a:r>
+                        <a:rPr lang="en-US" sz="1400" dirty="0" err="1" smtClean="0">
+                          <a:latin typeface="Times New Roman" panose="02020603050405020304" pitchFamily="18" charset="0"/>
+                          <a:cs typeface="Times New Roman" panose="02020603050405020304" pitchFamily="18" charset="0"/>
+                        </a:rPr>
+                        <a:t>quan</a:t>
+                      </a:r>
+                      <a:r>
+                        <a:rPr lang="en-US" sz="1400" dirty="0" smtClean="0">
+                          <a:latin typeface="Times New Roman" panose="02020603050405020304" pitchFamily="18" charset="0"/>
+                          <a:cs typeface="Times New Roman" panose="02020603050405020304" pitchFamily="18" charset="0"/>
+                        </a:rPr>
+                        <a:t> tri</a:t>
+                      </a:r>
+                      <a:endParaRPr lang="en-US" sz="1400" dirty="0">
+                        <a:latin typeface="Times New Roman" panose="02020603050405020304" pitchFamily="18" charset="0"/>
+                        <a:cs typeface="Times New Roman" panose="02020603050405020304" pitchFamily="18" charset="0"/>
+                      </a:endParaRPr>
+                    </a:p>
+                  </a:txBody>
+                  <a:tcPr/>
+                </a:tc>
+                <a:tc>
+                  <a:txBody>
+                    <a:bodyPr/>
+                    <a:lstStyle/>
+                    <a:p>
+                      <a:pPr algn="ctr"/>
+                      <a:r>
+                        <a:rPr lang="en-US" sz="1400" dirty="0" err="1" smtClean="0">
+                          <a:latin typeface="Times New Roman" panose="02020603050405020304" pitchFamily="18" charset="0"/>
+                          <a:cs typeface="Times New Roman" panose="02020603050405020304" pitchFamily="18" charset="0"/>
+                        </a:rPr>
+                        <a:t>Đạo</a:t>
+                      </a:r>
+                      <a:endParaRPr lang="en-US" sz="1400" dirty="0">
+                        <a:latin typeface="Times New Roman" panose="02020603050405020304" pitchFamily="18" charset="0"/>
+                        <a:cs typeface="Times New Roman" panose="02020603050405020304" pitchFamily="18" charset="0"/>
+                      </a:endParaRPr>
+                    </a:p>
+                  </a:txBody>
+                  <a:tcPr/>
+                </a:tc>
+              </a:tr>
+              <a:tr h="252602">
+                <a:tc>
+                  <a:txBody>
+                    <a:bodyPr/>
+                    <a:lstStyle/>
+                    <a:p>
+                      <a:r>
+                        <a:rPr lang="en-US" sz="1400" dirty="0" smtClean="0">
+                          <a:latin typeface="Times New Roman" panose="02020603050405020304" pitchFamily="18" charset="0"/>
+                          <a:cs typeface="Times New Roman" panose="02020603050405020304" pitchFamily="18" charset="0"/>
+                        </a:rPr>
+                        <a:t>Deploy-</a:t>
+                      </a:r>
+                      <a:r>
+                        <a:rPr lang="en-US" sz="1400" dirty="0" err="1" smtClean="0">
+                          <a:latin typeface="Times New Roman" panose="02020603050405020304" pitchFamily="18" charset="0"/>
+                          <a:cs typeface="Times New Roman" panose="02020603050405020304" pitchFamily="18" charset="0"/>
+                        </a:rPr>
+                        <a:t>cong</a:t>
+                      </a:r>
+                      <a:r>
+                        <a:rPr lang="en-US" sz="1400" dirty="0" smtClean="0">
+                          <a:latin typeface="Times New Roman" panose="02020603050405020304" pitchFamily="18" charset="0"/>
+                          <a:cs typeface="Times New Roman" panose="02020603050405020304" pitchFamily="18" charset="0"/>
+                        </a:rPr>
+                        <a:t> cu </a:t>
+                      </a:r>
+                      <a:r>
+                        <a:rPr lang="en-US" sz="1400" dirty="0" err="1" smtClean="0">
+                          <a:latin typeface="Times New Roman" panose="02020603050405020304" pitchFamily="18" charset="0"/>
+                          <a:cs typeface="Times New Roman" panose="02020603050405020304" pitchFamily="18" charset="0"/>
+                        </a:rPr>
+                        <a:t>hien</a:t>
+                      </a:r>
+                      <a:r>
+                        <a:rPr lang="en-US" sz="1400" dirty="0" smtClean="0">
+                          <a:latin typeface="Times New Roman" panose="02020603050405020304" pitchFamily="18" charset="0"/>
+                          <a:cs typeface="Times New Roman" panose="02020603050405020304" pitchFamily="18" charset="0"/>
+                        </a:rPr>
+                        <a:t> </a:t>
+                      </a:r>
+                      <a:r>
+                        <a:rPr lang="en-US" sz="1400" dirty="0" err="1" smtClean="0">
+                          <a:latin typeface="Times New Roman" panose="02020603050405020304" pitchFamily="18" charset="0"/>
+                          <a:cs typeface="Times New Roman" panose="02020603050405020304" pitchFamily="18" charset="0"/>
+                        </a:rPr>
+                        <a:t>thi</a:t>
+                      </a:r>
                       <a:endParaRPr lang="en-US" sz="1400" dirty="0">
                         <a:latin typeface="Times New Roman" panose="02020603050405020304" pitchFamily="18" charset="0"/>
                         <a:cs typeface="Times New Roman" panose="02020603050405020304" pitchFamily="18" charset="0"/>
@@ -4300,6 +4579,20 @@
                     <a:bodyPr/>
                     <a:lstStyle/>
                     <a:p>
+                      <a:r>
+                        <a:rPr lang="en-US" sz="1400" dirty="0" err="1" smtClean="0">
+                          <a:latin typeface="Times New Roman" panose="02020603050405020304" pitchFamily="18" charset="0"/>
+                          <a:cs typeface="Times New Roman" panose="02020603050405020304" pitchFamily="18" charset="0"/>
+                        </a:rPr>
+                        <a:t>Webservice-gửi</a:t>
+                      </a:r>
+                      <a:r>
+                        <a:rPr lang="en-US" sz="1400" baseline="0" dirty="0" smtClean="0">
+                          <a:latin typeface="Times New Roman" panose="02020603050405020304" pitchFamily="18" charset="0"/>
+                          <a:cs typeface="Times New Roman" panose="02020603050405020304" pitchFamily="18" charset="0"/>
+                        </a:rPr>
+                        <a:t> index</a:t>
+                      </a:r>
                       <a:endParaRPr lang="en-US" sz="1400" dirty="0">
                         <a:latin typeface="Times New Roman" panose="02020603050405020304" pitchFamily="18" charset="0"/>
                         <a:cs typeface="Times New Roman" panose="02020603050405020304" pitchFamily="18" charset="0"/>
@@ -4336,6 +4629,13 @@
                     <a:bodyPr/>
                     <a:lstStyle/>
                     <a:p>
+                      <a:r>
+                        <a:rPr lang="en-US" sz="1400" dirty="0" smtClean="0">
+                          <a:latin typeface="Times New Roman" panose="02020603050405020304" pitchFamily="18" charset="0"/>
+                          <a:cs typeface="Times New Roman" panose="02020603050405020304" pitchFamily="18" charset="0"/>
+                        </a:rPr>
+                        <a:t>Research  &amp; training coding on android</a:t>
+                      </a:r>
                       <a:endParaRPr lang="en-US" sz="1400" dirty="0">
                         <a:latin typeface="Times New Roman" panose="02020603050405020304" pitchFamily="18" charset="0"/>
                         <a:cs typeface="Times New Roman" panose="02020603050405020304" pitchFamily="18" charset="0"/>
@@ -4355,7 +4655,7 @@
                           <a:latin typeface="Times New Roman" panose="02020603050405020304" pitchFamily="18" charset="0"/>
                           <a:cs typeface="Times New Roman" panose="02020603050405020304" pitchFamily="18" charset="0"/>
                         </a:rPr>
-                        <a:t>Phú</a:t>
+                        <a:t>Khang</a:t>
                       </a:r>
                       <a:endParaRPr lang="en-US" sz="1400" dirty="0">
                         <a:latin typeface="Times New Roman" panose="02020603050405020304" pitchFamily="18" charset="0"/>
@@ -4372,6 +4672,13 @@
                     <a:bodyPr/>
                     <a:lstStyle/>
                     <a:p>
+                      <a:r>
+                        <a:rPr lang="en-US" sz="1400" dirty="0" smtClean="0">
+                          <a:latin typeface="Times New Roman" panose="02020603050405020304" pitchFamily="18" charset="0"/>
+                          <a:cs typeface="Times New Roman" panose="02020603050405020304" pitchFamily="18" charset="0"/>
+                        </a:rPr>
+                        <a:t>Update test plan</a:t>
+                      </a:r>
                       <a:endParaRPr lang="en-US" sz="1400" dirty="0">
                         <a:latin typeface="Times New Roman" panose="02020603050405020304" pitchFamily="18" charset="0"/>
                         <a:cs typeface="Times New Roman" panose="02020603050405020304" pitchFamily="18" charset="0"/>
@@ -4403,11 +4710,18 @@
                         <a:defRPr/>
                       </a:pPr>
                       <a:r>
+                        <a:rPr lang="en-US" sz="1400" dirty="0" smtClean="0">
+                          <a:latin typeface="Times New Roman" panose="02020603050405020304" pitchFamily="18" charset="0"/>
+                          <a:cs typeface="Times New Roman" panose="02020603050405020304" pitchFamily="18" charset="0"/>
+                        </a:rPr>
+                        <a:t>Huy </a:t>
+                      </a:r>
+                      <a:r>
                         <a:rPr lang="en-US" sz="1400" dirty="0" err="1" smtClean="0">
                           <a:latin typeface="Times New Roman" panose="02020603050405020304" pitchFamily="18" charset="0"/>
                           <a:cs typeface="Times New Roman" panose="02020603050405020304" pitchFamily="18" charset="0"/>
                         </a:rPr>
-                        <a:t>Phú</a:t>
+                        <a:t>Nguyễn</a:t>
                       </a:r>
                       <a:endParaRPr lang="en-US" sz="1400" dirty="0" smtClean="0">
                         <a:latin typeface="Times New Roman" panose="02020603050405020304" pitchFamily="18" charset="0"/>
@@ -4424,42 +4738,20 @@
                     <a:bodyPr/>
                     <a:lstStyle/>
                     <a:p>
-                      <a:endParaRPr lang="en-US" sz="1400" dirty="0">
-                        <a:latin typeface="Times New Roman" panose="02020603050405020304" pitchFamily="18" charset="0"/>
-                        <a:cs typeface="Times New Roman" panose="02020603050405020304" pitchFamily="18" charset="0"/>
-                      </a:endParaRPr>
-                    </a:p>
-                  </a:txBody>
-                  <a:tcPr/>
-                </a:tc>
-                <a:tc>
-                  <a:txBody>
-                    <a:bodyPr/>
-                    <a:lstStyle/>
-                    <a:p>
-                      <a:pPr algn="ctr"/>
-                      <a:r>
-                        <a:rPr lang="en-US" sz="1400" dirty="0" err="1" smtClean="0">
-                          <a:latin typeface="Times New Roman" panose="02020603050405020304" pitchFamily="18" charset="0"/>
-                          <a:cs typeface="Times New Roman" panose="02020603050405020304" pitchFamily="18" charset="0"/>
-                        </a:rPr>
-                        <a:t>Khang</a:t>
-                      </a:r>
-                      <a:endParaRPr lang="en-US" sz="1400" dirty="0">
-                        <a:latin typeface="Times New Roman" panose="02020603050405020304" pitchFamily="18" charset="0"/>
-                        <a:cs typeface="Times New Roman" panose="02020603050405020304" pitchFamily="18" charset="0"/>
-                      </a:endParaRPr>
-                    </a:p>
-                  </a:txBody>
-                  <a:tcPr/>
-                </a:tc>
-              </a:tr>
-              <a:tr h="244581">
-                <a:tc>
-                  <a:txBody>
-                    <a:bodyPr/>
-                    <a:lstStyle/>
-                    <a:p>
+                      <a:r>
+                        <a:rPr lang="en-US" sz="1400" dirty="0" smtClean="0">
+                          <a:latin typeface="Times New Roman" panose="02020603050405020304" pitchFamily="18" charset="0"/>
+                          <a:cs typeface="Times New Roman" panose="02020603050405020304" pitchFamily="18" charset="0"/>
+                        </a:rPr>
+                        <a:t>Conclude</a:t>
+                      </a:r>
+                      <a:r>
+                        <a:rPr lang="en-US" sz="1400" baseline="0" dirty="0" smtClean="0">
+                          <a:latin typeface="Times New Roman" panose="02020603050405020304" pitchFamily="18" charset="0"/>
+                          <a:cs typeface="Times New Roman" panose="02020603050405020304" pitchFamily="18" charset="0"/>
+                        </a:rPr>
+                        <a:t> defect reports…</a:t>
+                      </a:r>
                       <a:endParaRPr lang="en-US" sz="1400" dirty="0">
                         <a:latin typeface="Times New Roman" panose="02020603050405020304" pitchFamily="18" charset="0"/>
                         <a:cs typeface="Times New Roman" panose="02020603050405020304" pitchFamily="18" charset="0"/>
@@ -4491,11 +4783,18 @@
                         <a:defRPr/>
                       </a:pPr>
                       <a:r>
+                        <a:rPr lang="en-US" sz="1400" dirty="0" smtClean="0">
+                          <a:latin typeface="Times New Roman" panose="02020603050405020304" pitchFamily="18" charset="0"/>
+                          <a:cs typeface="Times New Roman" panose="02020603050405020304" pitchFamily="18" charset="0"/>
+                        </a:rPr>
+                        <a:t>Huy </a:t>
+                      </a:r>
+                      <a:r>
                         <a:rPr lang="en-US" sz="1400" dirty="0" err="1" smtClean="0">
                           <a:latin typeface="Times New Roman" panose="02020603050405020304" pitchFamily="18" charset="0"/>
                           <a:cs typeface="Times New Roman" panose="02020603050405020304" pitchFamily="18" charset="0"/>
                         </a:rPr>
-                        <a:t>Khang</a:t>
+                        <a:t>Nguyễn</a:t>
                       </a:r>
                       <a:endParaRPr lang="en-US" sz="1400" dirty="0" smtClean="0">
                         <a:latin typeface="Times New Roman" panose="02020603050405020304" pitchFamily="18" charset="0"/>
@@ -4506,98 +4805,19 @@
                   <a:tcPr/>
                 </a:tc>
               </a:tr>
-              <a:tr h="370840">
+              <a:tr h="244581">
                 <a:tc>
                   <a:txBody>
                     <a:bodyPr/>
                     <a:lstStyle/>
                     <a:p>
-                      <a:endParaRPr lang="en-US" sz="1400" dirty="0">
-                        <a:latin typeface="Times New Roman" panose="02020603050405020304" pitchFamily="18" charset="0"/>
-                        <a:cs typeface="Times New Roman" panose="02020603050405020304" pitchFamily="18" charset="0"/>
-                      </a:endParaRPr>
-                    </a:p>
-                  </a:txBody>
-                  <a:tcPr/>
-                </a:tc>
-                <a:tc>
-                  <a:txBody>
-                    <a:bodyPr/>
-                    <a:lstStyle/>
-                    <a:p>
-                      <a:pPr algn="ctr"/>
                       <a:r>
                         <a:rPr lang="en-US" sz="1400" dirty="0" smtClean="0">
                           <a:latin typeface="Times New Roman" panose="02020603050405020304" pitchFamily="18" charset="0"/>
                           <a:cs typeface="Times New Roman" panose="02020603050405020304" pitchFamily="18" charset="0"/>
                         </a:rPr>
-                        <a:t>Huy </a:t>
-                      </a:r>
-                      <a:r>
-                        <a:rPr lang="en-US" sz="1400" dirty="0" err="1" smtClean="0">
-                          <a:latin typeface="Times New Roman" panose="02020603050405020304" pitchFamily="18" charset="0"/>
-                          <a:cs typeface="Times New Roman" panose="02020603050405020304" pitchFamily="18" charset="0"/>
-                        </a:rPr>
-                        <a:t>Nguyễn</a:t>
-                      </a:r>
-                      <a:endParaRPr lang="en-US" sz="1400" dirty="0">
-                        <a:latin typeface="Times New Roman" panose="02020603050405020304" pitchFamily="18" charset="0"/>
-                        <a:cs typeface="Times New Roman" panose="02020603050405020304" pitchFamily="18" charset="0"/>
-                      </a:endParaRPr>
-                    </a:p>
-                  </a:txBody>
-                  <a:tcPr/>
-                </a:tc>
-              </a:tr>
-              <a:tr h="370840">
-                <a:tc>
-                  <a:txBody>
-                    <a:bodyPr/>
-                    <a:lstStyle/>
-                    <a:p>
-                      <a:endParaRPr lang="en-US" sz="1400" dirty="0">
-                        <a:latin typeface="Times New Roman" panose="02020603050405020304" pitchFamily="18" charset="0"/>
-                        <a:cs typeface="Times New Roman" panose="02020603050405020304" pitchFamily="18" charset="0"/>
-                      </a:endParaRPr>
-                    </a:p>
-                  </a:txBody>
-                  <a:tcPr/>
-                </a:tc>
-                <a:tc>
-                  <a:txBody>
-                    <a:bodyPr/>
-                    <a:lstStyle/>
-                    <a:p>
-                      <a:pPr algn="ctr"/>
-                      <a:r>
-                        <a:rPr lang="en-US" sz="1400" dirty="0" smtClean="0">
-                          <a:latin typeface="Times New Roman" panose="02020603050405020304" pitchFamily="18" charset="0"/>
-                          <a:cs typeface="Times New Roman" panose="02020603050405020304" pitchFamily="18" charset="0"/>
-                        </a:rPr>
-                        <a:t>Huy </a:t>
-                      </a:r>
-                      <a:r>
-                        <a:rPr lang="en-US" sz="1400" dirty="0" err="1" smtClean="0">
-                          <a:latin typeface="Times New Roman" panose="02020603050405020304" pitchFamily="18" charset="0"/>
-                          <a:cs typeface="Times New Roman" panose="02020603050405020304" pitchFamily="18" charset="0"/>
-                        </a:rPr>
-                        <a:t>Ngô</a:t>
-                      </a:r>
-                      <a:endParaRPr lang="en-US" sz="1400" dirty="0">
-                        <a:latin typeface="Times New Roman" panose="02020603050405020304" pitchFamily="18" charset="0"/>
-                        <a:cs typeface="Times New Roman" panose="02020603050405020304" pitchFamily="18" charset="0"/>
-                      </a:endParaRPr>
-                    </a:p>
-                  </a:txBody>
-                  <a:tcPr/>
-                </a:tc>
-              </a:tr>
-              <a:tr h="370840">
-                <a:tc>
-                  <a:txBody>
-                    <a:bodyPr/>
-                    <a:lstStyle/>
-                    <a:p>
+                        <a:t>Update product backlog</a:t>
+                      </a:r>
                       <a:endParaRPr lang="en-US" sz="1400" dirty="0">
                         <a:latin typeface="Times New Roman" panose="02020603050405020304" pitchFamily="18" charset="0"/>
                         <a:cs typeface="Times New Roman" panose="02020603050405020304" pitchFamily="18" charset="0"/>
@@ -4662,14 +4882,14 @@
                           <a:latin typeface="Times New Roman" panose="02020603050405020304" pitchFamily="18" charset="0"/>
                           <a:cs typeface="Times New Roman" panose="02020603050405020304" pitchFamily="18" charset="0"/>
                         </a:rPr>
-                        <a:t>Implement</a:t>
+                        <a:t>Review</a:t>
                       </a:r>
                       <a:r>
                         <a:rPr lang="en-US" sz="1400" baseline="0" dirty="0" smtClean="0">
                           <a:latin typeface="Times New Roman" panose="02020603050405020304" pitchFamily="18" charset="0"/>
                           <a:cs typeface="Times New Roman" panose="02020603050405020304" pitchFamily="18" charset="0"/>
                         </a:rPr>
-                        <a:t> Test</a:t>
+                        <a:t> documents of 3 sprints</a:t>
                       </a:r>
                       <a:endParaRPr lang="en-US" sz="1400" dirty="0">
                         <a:latin typeface="Times New Roman" panose="02020603050405020304" pitchFamily="18" charset="0"/>
@@ -4706,8 +4926,157 @@
                           <a:latin typeface="Times New Roman" panose="02020603050405020304" pitchFamily="18" charset="0"/>
                           <a:cs typeface="Times New Roman" panose="02020603050405020304" pitchFamily="18" charset="0"/>
                         </a:rPr>
+                        <a:t>Huy </a:t>
+                      </a:r>
+                      <a:r>
+                        <a:rPr lang="en-US" sz="1400" dirty="0" err="1" smtClean="0">
+                          <a:latin typeface="Times New Roman" panose="02020603050405020304" pitchFamily="18" charset="0"/>
+                          <a:cs typeface="Times New Roman" panose="02020603050405020304" pitchFamily="18" charset="0"/>
+                        </a:rPr>
+                        <a:t>Ngô</a:t>
+                      </a:r>
+                      <a:endParaRPr lang="en-US" sz="1400" dirty="0" smtClean="0">
+                        <a:latin typeface="Times New Roman" panose="02020603050405020304" pitchFamily="18" charset="0"/>
+                        <a:cs typeface="Times New Roman" panose="02020603050405020304" pitchFamily="18" charset="0"/>
+                      </a:endParaRPr>
+                    </a:p>
+                  </a:txBody>
+                  <a:tcPr/>
+                </a:tc>
+              </a:tr>
+              <a:tr h="370840">
+                <a:tc>
+                  <a:txBody>
+                    <a:bodyPr/>
+                    <a:lstStyle/>
+                    <a:p>
+                      <a:pPr marL="0" marR="0" indent="0" algn="l" defTabSz="914400" rtl="0" eaLnBrk="1" fontAlgn="auto" latinLnBrk="0" hangingPunct="1">
+                        <a:lnSpc>
+                          <a:spcPct val="100000"/>
+                        </a:lnSpc>
+                        <a:spcBef>
+                          <a:spcPts val="0"/>
+                        </a:spcBef>
+                        <a:spcAft>
+                          <a:spcPts val="0"/>
+                        </a:spcAft>
+                        <a:buClrTx/>
+                        <a:buSzTx/>
+                        <a:buFontTx/>
+                        <a:buNone/>
+                        <a:tabLst/>
+                        <a:defRPr/>
+                      </a:pPr>
+                      <a:r>
+                        <a:rPr lang="en-US" sz="1400" dirty="0" smtClean="0">
+                          <a:latin typeface="Times New Roman" panose="02020603050405020304" pitchFamily="18" charset="0"/>
+                          <a:cs typeface="Times New Roman" panose="02020603050405020304" pitchFamily="18" charset="0"/>
+                        </a:rPr>
+                        <a:t>Implement</a:t>
+                      </a:r>
+                      <a:r>
+                        <a:rPr lang="en-US" sz="1400" baseline="0" dirty="0" smtClean="0">
+                          <a:latin typeface="Times New Roman" panose="02020603050405020304" pitchFamily="18" charset="0"/>
+                          <a:cs typeface="Times New Roman" panose="02020603050405020304" pitchFamily="18" charset="0"/>
+                        </a:rPr>
+                        <a:t> Test</a:t>
+                      </a:r>
+                      <a:endParaRPr lang="en-US" sz="1400" dirty="0" smtClean="0">
+                        <a:latin typeface="Times New Roman" panose="02020603050405020304" pitchFamily="18" charset="0"/>
+                        <a:cs typeface="Times New Roman" panose="02020603050405020304" pitchFamily="18" charset="0"/>
+                      </a:endParaRPr>
+                    </a:p>
+                  </a:txBody>
+                  <a:tcPr/>
+                </a:tc>
+                <a:tc>
+                  <a:txBody>
+                    <a:bodyPr/>
+                    <a:lstStyle/>
+                    <a:p>
+                      <a:pPr marL="0" marR="0" indent="0" algn="ctr" defTabSz="914400" rtl="0" eaLnBrk="1" fontAlgn="auto" latinLnBrk="0" hangingPunct="1">
+                        <a:lnSpc>
+                          <a:spcPct val="100000"/>
+                        </a:lnSpc>
+                        <a:spcBef>
+                          <a:spcPts val="0"/>
+                        </a:spcBef>
+                        <a:spcAft>
+                          <a:spcPts val="0"/>
+                        </a:spcAft>
+                        <a:buClrTx/>
+                        <a:buSzTx/>
+                        <a:buFontTx/>
+                        <a:buNone/>
+                        <a:tabLst/>
+                        <a:defRPr/>
+                      </a:pPr>
+                      <a:r>
+                        <a:rPr lang="en-US" sz="1400" dirty="0" smtClean="0">
+                          <a:latin typeface="Times New Roman" panose="02020603050405020304" pitchFamily="18" charset="0"/>
+                          <a:cs typeface="Times New Roman" panose="02020603050405020304" pitchFamily="18" charset="0"/>
+                        </a:rPr>
                         <a:t>All team</a:t>
                       </a:r>
+                    </a:p>
+                  </a:txBody>
+                  <a:tcPr/>
+                </a:tc>
+              </a:tr>
+              <a:tr h="370840">
+                <a:tc>
+                  <a:txBody>
+                    <a:bodyPr/>
+                    <a:lstStyle/>
+                    <a:p>
+                      <a:r>
+                        <a:rPr lang="en-US" sz="1400" dirty="0" smtClean="0">
+                          <a:latin typeface="Times New Roman" panose="02020603050405020304" pitchFamily="18" charset="0"/>
+                          <a:cs typeface="Times New Roman" panose="02020603050405020304" pitchFamily="18" charset="0"/>
+                        </a:rPr>
+                        <a:t>Fix bugs</a:t>
+                      </a:r>
+                      <a:endParaRPr lang="en-US" sz="1400" dirty="0">
+                        <a:latin typeface="Times New Roman" panose="02020603050405020304" pitchFamily="18" charset="0"/>
+                        <a:cs typeface="Times New Roman" panose="02020603050405020304" pitchFamily="18" charset="0"/>
+                      </a:endParaRPr>
+                    </a:p>
+                  </a:txBody>
+                  <a:tcPr/>
+                </a:tc>
+                <a:tc>
+                  <a:txBody>
+                    <a:bodyPr/>
+                    <a:lstStyle/>
+                    <a:p>
+                      <a:pPr marL="0" marR="0" indent="0" algn="ctr" defTabSz="914400" rtl="0" eaLnBrk="1" fontAlgn="auto" latinLnBrk="0" hangingPunct="1">
+                        <a:lnSpc>
+                          <a:spcPct val="100000"/>
+                        </a:lnSpc>
+                        <a:spcBef>
+                          <a:spcPts val="0"/>
+                        </a:spcBef>
+                        <a:spcAft>
+                          <a:spcPts val="0"/>
+                        </a:spcAft>
+                        <a:buClrTx/>
+                        <a:buSzTx/>
+                        <a:buFontTx/>
+                        <a:buNone/>
+                        <a:tabLst/>
+                        <a:defRPr/>
+                      </a:pPr>
+                      <a:r>
+                        <a:rPr lang="en-US" sz="1400" dirty="0" smtClean="0">
+                          <a:latin typeface="Times New Roman" panose="02020603050405020304" pitchFamily="18" charset="0"/>
+                          <a:cs typeface="Times New Roman" panose="02020603050405020304" pitchFamily="18" charset="0"/>
+                        </a:rPr>
+                        <a:t>All team</a:t>
+                      </a:r>
+                      <a:endParaRPr lang="en-US" sz="1400" dirty="0" smtClean="0">
+                        <a:latin typeface="Times New Roman" panose="02020603050405020304" pitchFamily="18" charset="0"/>
+                        <a:cs typeface="Times New Roman" panose="02020603050405020304" pitchFamily="18" charset="0"/>
+                      </a:endParaRPr>
                     </a:p>
                   </a:txBody>
                   <a:tcPr/>
@@ -5028,13 +5397,8 @@
             </a:pPr>
             <a:r>
               <a:rPr lang="en-US" dirty="0" smtClean="0"/>
-              <a:t>Close sprint </a:t>
-            </a:r>
-            <a:r>
-              <a:rPr lang="en-US" dirty="0" smtClean="0"/>
-              <a:t>3 </a:t>
-            </a:r>
-            <a:endParaRPr lang="en-US" dirty="0" smtClean="0"/>
+              <a:t>Close sprint 3 </a:t>
+            </a:r>
           </a:p>
           <a:p>
             <a:pPr marL="285750" indent="-285750">
@@ -6067,7 +6431,7 @@
         <p:spPr>
           <a:xfrm>
             <a:off x="1549400" y="2087158"/>
-            <a:ext cx="7983418" cy="2862322"/>
+            <a:ext cx="7983418" cy="2031325"/>
           </a:xfrm>
           <a:prstGeom prst="rect">
             <a:avLst/>
@@ -6092,8 +6456,9 @@
             </a:pPr>
             <a:r>
               <a:rPr lang="en-US" dirty="0" smtClean="0"/>
-              <a:t>Implement mini sprint 3 in 1 week to fix bug and adjusted something (interface…)</a:t>
-            </a:r>
+              <a:t>Start sprint 4</a:t>
+            </a:r>
+            <a:endParaRPr lang="en-US" dirty="0" smtClean="0"/>
           </a:p>
           <a:p>
             <a:pPr marL="285750" indent="-285750">
@@ -6109,124 +6474,21 @@
             </a:pPr>
             <a:r>
               <a:rPr lang="en-US" dirty="0" smtClean="0"/>
-              <a:t>Implement function </a:t>
-            </a:r>
-            <a:r>
-              <a:rPr lang="en-US" dirty="0" err="1" smtClean="0"/>
-              <a:t>unfinished:quản</a:t>
-            </a:r>
-            <a:r>
-              <a:rPr lang="en-US" dirty="0" smtClean="0"/>
-              <a:t> </a:t>
-            </a:r>
-            <a:r>
-              <a:rPr lang="en-US" dirty="0" err="1" smtClean="0"/>
-              <a:t>trị</a:t>
-            </a:r>
-            <a:r>
-              <a:rPr lang="en-US" dirty="0" smtClean="0"/>
-              <a:t> </a:t>
-            </a:r>
-            <a:r>
-              <a:rPr lang="en-US" dirty="0" err="1" smtClean="0"/>
-              <a:t>người</a:t>
-            </a:r>
-            <a:r>
-              <a:rPr lang="en-US" dirty="0" smtClean="0"/>
-              <a:t> </a:t>
-            </a:r>
-            <a:r>
-              <a:rPr lang="en-US" dirty="0" err="1" smtClean="0"/>
-              <a:t>dùng,cập</a:t>
-            </a:r>
-            <a:r>
-              <a:rPr lang="en-US" dirty="0" smtClean="0"/>
-              <a:t> </a:t>
-            </a:r>
-            <a:r>
-              <a:rPr lang="en-US" dirty="0" err="1" smtClean="0"/>
-              <a:t>nhật</a:t>
-            </a:r>
-            <a:r>
-              <a:rPr lang="en-US" dirty="0" smtClean="0"/>
-              <a:t> </a:t>
-            </a:r>
-            <a:r>
-              <a:rPr lang="en-US" dirty="0" err="1" smtClean="0"/>
-              <a:t>index,cấu</a:t>
-            </a:r>
-            <a:r>
-              <a:rPr lang="en-US" dirty="0" smtClean="0"/>
-              <a:t> </a:t>
-            </a:r>
-            <a:r>
-              <a:rPr lang="en-US" dirty="0" err="1" smtClean="0"/>
-              <a:t>hình</a:t>
-            </a:r>
-            <a:r>
-              <a:rPr lang="en-US" dirty="0" smtClean="0"/>
-              <a:t> </a:t>
-            </a:r>
-            <a:r>
-              <a:rPr lang="en-US" dirty="0" err="1" smtClean="0"/>
-              <a:t>tập</a:t>
-            </a:r>
-            <a:r>
-              <a:rPr lang="en-US" dirty="0" smtClean="0"/>
-              <a:t> </a:t>
-            </a:r>
-            <a:r>
-              <a:rPr lang="en-US" dirty="0" err="1" smtClean="0"/>
-              <a:t>trung</a:t>
-            </a:r>
-            <a:r>
-              <a:rPr lang="en-US" dirty="0" smtClean="0"/>
-              <a:t> </a:t>
-            </a:r>
-            <a:r>
-              <a:rPr lang="en-US" dirty="0" err="1" smtClean="0"/>
-              <a:t>phân</a:t>
-            </a:r>
-            <a:r>
-              <a:rPr lang="en-US" dirty="0" smtClean="0"/>
-              <a:t> </a:t>
-            </a:r>
-            <a:r>
-              <a:rPr lang="en-US" dirty="0" err="1" smtClean="0"/>
-              <a:t>tán</a:t>
-            </a:r>
-            <a:r>
-              <a:rPr lang="en-US" dirty="0" smtClean="0"/>
-              <a:t>.</a:t>
-            </a:r>
+              <a:t>Create documents and test case for sprint 4</a:t>
+            </a:r>
+          </a:p>
+          <a:p>
+            <a:endParaRPr lang="en-US" dirty="0"/>
           </a:p>
           <a:p>
             <a:pPr marL="285750" indent="-285750">
               <a:buFont typeface="Wingdings" panose="05000000000000000000" pitchFamily="2" charset="2"/>
               <a:buChar char="q"/>
             </a:pPr>
-            <a:endParaRPr lang="en-US" dirty="0"/>
-          </a:p>
-          <a:p>
-            <a:pPr marL="285750" indent="-285750">
-              <a:buFont typeface="Wingdings" panose="05000000000000000000" pitchFamily="2" charset="2"/>
-              <a:buChar char="q"/>
-            </a:pPr>
-            <a:r>
-              <a:rPr lang="en-US" dirty="0" err="1" smtClean="0"/>
-              <a:t>Trainning</a:t>
-            </a:r>
             <a:r>
               <a:rPr lang="en-US" dirty="0" smtClean="0"/>
-              <a:t> android code</a:t>
-            </a:r>
-            <a:endParaRPr lang="en-US" dirty="0"/>
-          </a:p>
-          <a:p>
-            <a:pPr marL="285750" indent="-285750">
-              <a:buFont typeface="Wingdings" panose="05000000000000000000" pitchFamily="2" charset="2"/>
-              <a:buChar char="q"/>
-            </a:pPr>
+              <a:t>Build interface for android app.</a:t>
+            </a:r>
             <a:endParaRPr lang="en-US" dirty="0"/>
           </a:p>
           <a:p>

--- a/trunk/9. Presentation/AS_DeadlineTeam_Week24.pptx
+++ b/trunk/9. Presentation/AS_DeadlineTeam_Week24.pptx
@@ -129,6 +129,1576 @@
     </p:ext>
   </p:extLst>
 </p:presentation>
+</file>
+
+<file path=ppt/charts/chart1.xml><?xml version="1.0" encoding="utf-8"?>
+<c:chartSpace xmlns:c="http://schemas.openxmlformats.org/drawingml/2006/chart" xmlns:a="http://schemas.openxmlformats.org/drawingml/2006/main" xmlns:r="http://schemas.openxmlformats.org/officeDocument/2006/relationships">
+  <c:date1904 val="0"/>
+  <c:lang val="en-US"/>
+  <c:roundedCorners val="0"/>
+  <mc:AlternateContent xmlns:mc="http://schemas.openxmlformats.org/markup-compatibility/2006">
+    <mc:Choice xmlns:c14="http://schemas.microsoft.com/office/drawing/2007/8/2/chart" Requires="c14">
+      <c14:style val="102"/>
+    </mc:Choice>
+    <mc:Fallback>
+      <c:style val="2"/>
+    </mc:Fallback>
+  </mc:AlternateContent>
+  <c:chart>
+    <c:title>
+      <c:tx>
+        <c:rich>
+          <a:bodyPr/>
+          <a:lstStyle/>
+          <a:p>
+            <a:pPr>
+              <a:defRPr sz="1400" b="0" i="0" u="none" strike="noStrike" baseline="0">
+                <a:solidFill>
+                  <a:srgbClr val="333333"/>
+                </a:solidFill>
+                <a:latin typeface="Calibri"/>
+                <a:ea typeface="Calibri"/>
+                <a:cs typeface="Calibri"/>
+              </a:defRPr>
+            </a:pPr>
+            <a:r>
+              <a:rPr lang="en-US"/>
+              <a:t>Time Actual for team's work</a:t>
+            </a:r>
+          </a:p>
+        </c:rich>
+      </c:tx>
+      <c:layout/>
+      <c:overlay val="0"/>
+      <c:spPr>
+        <a:noFill/>
+        <a:ln w="25400">
+          <a:noFill/>
+        </a:ln>
+      </c:spPr>
+    </c:title>
+    <c:autoTitleDeleted val="0"/>
+    <c:plotArea>
+      <c:layout/>
+      <c:barChart>
+        <c:barDir val="col"/>
+        <c:grouping val="clustered"/>
+        <c:varyColors val="0"/>
+        <c:ser>
+          <c:idx val="1"/>
+          <c:order val="0"/>
+          <c:tx>
+            <c:strRef>
+              <c:f>'Planned and Actual - Week24'!$C$136</c:f>
+              <c:strCache>
+                <c:ptCount val="1"/>
+                <c:pt idx="0">
+                  <c:v>Name</c:v>
+                </c:pt>
+              </c:strCache>
+            </c:strRef>
+          </c:tx>
+          <c:spPr>
+            <a:solidFill>
+              <a:srgbClr val="C0504D"/>
+            </a:solidFill>
+            <a:ln w="25400">
+              <a:noFill/>
+            </a:ln>
+          </c:spPr>
+          <c:invertIfNegative val="0"/>
+          <c:dPt>
+            <c:idx val="0"/>
+            <c:invertIfNegative val="0"/>
+            <c:bubble3D val="0"/>
+            <c:spPr>
+              <a:solidFill>
+                <a:srgbClr val="000099"/>
+              </a:solidFill>
+              <a:ln w="25400">
+                <a:noFill/>
+              </a:ln>
+            </c:spPr>
+          </c:dPt>
+          <c:dPt>
+            <c:idx val="1"/>
+            <c:invertIfNegative val="0"/>
+            <c:bubble3D val="0"/>
+            <c:spPr>
+              <a:solidFill>
+                <a:srgbClr val="0066FF"/>
+              </a:solidFill>
+              <a:ln w="25400">
+                <a:noFill/>
+              </a:ln>
+            </c:spPr>
+          </c:dPt>
+          <c:dPt>
+            <c:idx val="2"/>
+            <c:invertIfNegative val="0"/>
+            <c:bubble3D val="0"/>
+            <c:spPr>
+              <a:solidFill>
+                <a:schemeClr val="accent4">
+                  <a:lumMod val="60000"/>
+                  <a:lumOff val="40000"/>
+                </a:schemeClr>
+              </a:solidFill>
+              <a:ln>
+                <a:noFill/>
+              </a:ln>
+              <a:effectLst/>
+            </c:spPr>
+          </c:dPt>
+          <c:dPt>
+            <c:idx val="3"/>
+            <c:invertIfNegative val="0"/>
+            <c:bubble3D val="0"/>
+            <c:spPr>
+              <a:solidFill>
+                <a:srgbClr val="66FF66"/>
+              </a:solidFill>
+              <a:ln w="25400">
+                <a:noFill/>
+              </a:ln>
+            </c:spPr>
+          </c:dPt>
+          <c:dPt>
+            <c:idx val="4"/>
+            <c:invertIfNegative val="0"/>
+            <c:bubble3D val="0"/>
+            <c:spPr>
+              <a:solidFill>
+                <a:srgbClr val="FF66FF"/>
+              </a:solidFill>
+              <a:ln w="25400">
+                <a:noFill/>
+              </a:ln>
+            </c:spPr>
+          </c:dPt>
+          <c:dPt>
+            <c:idx val="5"/>
+            <c:invertIfNegative val="0"/>
+            <c:bubble3D val="0"/>
+            <c:spPr>
+              <a:solidFill>
+                <a:srgbClr val="00B0F0"/>
+              </a:solidFill>
+              <a:ln w="25400">
+                <a:noFill/>
+              </a:ln>
+            </c:spPr>
+          </c:dPt>
+          <c:dLbls>
+            <c:spPr>
+              <a:noFill/>
+              <a:ln w="25400">
+                <a:noFill/>
+              </a:ln>
+            </c:spPr>
+            <c:txPr>
+              <a:bodyPr wrap="square" lIns="38100" tIns="19050" rIns="38100" bIns="19050" anchor="ctr">
+                <a:spAutoFit/>
+              </a:bodyPr>
+              <a:lstStyle/>
+              <a:p>
+                <a:pPr>
+                  <a:defRPr sz="1000" b="0" i="0" u="none" strike="noStrike" baseline="0">
+                    <a:solidFill>
+                      <a:srgbClr val="000000"/>
+                    </a:solidFill>
+                    <a:latin typeface="Calibri"/>
+                    <a:ea typeface="Calibri"/>
+                    <a:cs typeface="Calibri"/>
+                  </a:defRPr>
+                </a:pPr>
+                <a:endParaRPr lang="en-US"/>
+              </a:p>
+            </c:txPr>
+            <c:dLblPos val="outEnd"/>
+            <c:showLegendKey val="0"/>
+            <c:showVal val="1"/>
+            <c:showCatName val="0"/>
+            <c:showSerName val="0"/>
+            <c:showPercent val="0"/>
+            <c:showBubbleSize val="0"/>
+            <c:showLeaderLines val="0"/>
+            <c:extLst>
+              <c:ext xmlns:c15="http://schemas.microsoft.com/office/drawing/2012/chart" uri="{CE6537A1-D6FC-4f65-9D91-7224C49458BB}">
+                <c15:layout/>
+                <c15:showLeaderLines val="0"/>
+              </c:ext>
+            </c:extLst>
+          </c:dLbls>
+          <c:cat>
+            <c:strRef>
+              <c:f>'Planned and Actual - Week10'!$B$136:$B$141</c:f>
+              <c:strCache>
+                <c:ptCount val="6"/>
+                <c:pt idx="0">
+                  <c:v>Le Ngoc Chau</c:v>
+                </c:pt>
+                <c:pt idx="1">
+                  <c:v>Khau Thanh Dao</c:v>
+                </c:pt>
+                <c:pt idx="2">
+                  <c:v>Ngo Quang Huy</c:v>
+                </c:pt>
+                <c:pt idx="3">
+                  <c:v>Nguyen Phan Xuan Huy</c:v>
+                </c:pt>
+                <c:pt idx="4">
+                  <c:v>Huynh Trong Khang</c:v>
+                </c:pt>
+                <c:pt idx="5">
+                  <c:v>Ta Ngoc Thien Phu</c:v>
+                </c:pt>
+              </c:strCache>
+            </c:strRef>
+          </c:cat>
+          <c:val>
+            <c:numRef>
+              <c:f>'Planned and Actual - Week24'!$D$137:$D$142</c:f>
+              <c:numCache>
+                <c:formatCode>0.00</c:formatCode>
+                <c:ptCount val="6"/>
+                <c:pt idx="0">
+                  <c:v>49</c:v>
+                </c:pt>
+                <c:pt idx="1">
+                  <c:v>46</c:v>
+                </c:pt>
+                <c:pt idx="2">
+                  <c:v>43</c:v>
+                </c:pt>
+                <c:pt idx="3">
+                  <c:v>45</c:v>
+                </c:pt>
+                <c:pt idx="4">
+                  <c:v>44</c:v>
+                </c:pt>
+                <c:pt idx="5">
+                  <c:v>44</c:v>
+                </c:pt>
+              </c:numCache>
+            </c:numRef>
+          </c:val>
+        </c:ser>
+        <c:dLbls>
+          <c:showLegendKey val="0"/>
+          <c:showVal val="0"/>
+          <c:showCatName val="0"/>
+          <c:showSerName val="0"/>
+          <c:showPercent val="0"/>
+          <c:showBubbleSize val="0"/>
+        </c:dLbls>
+        <c:gapWidth val="182"/>
+        <c:axId val="-1597930112"/>
+        <c:axId val="-1597933920"/>
+      </c:barChart>
+      <c:catAx>
+        <c:axId val="-1597930112"/>
+        <c:scaling>
+          <c:orientation val="minMax"/>
+        </c:scaling>
+        <c:delete val="0"/>
+        <c:axPos val="b"/>
+        <c:numFmt formatCode="General" sourceLinked="1"/>
+        <c:majorTickMark val="none"/>
+        <c:minorTickMark val="none"/>
+        <c:tickLblPos val="nextTo"/>
+        <c:spPr>
+          <a:noFill/>
+          <a:ln w="9525" cap="flat" cmpd="sng" algn="ctr">
+            <a:solidFill>
+              <a:schemeClr val="tx1">
+                <a:lumMod val="15000"/>
+                <a:lumOff val="85000"/>
+              </a:schemeClr>
+            </a:solidFill>
+            <a:round/>
+          </a:ln>
+          <a:effectLst/>
+        </c:spPr>
+        <c:txPr>
+          <a:bodyPr rot="0" vert="horz"/>
+          <a:lstStyle/>
+          <a:p>
+            <a:pPr>
+              <a:defRPr sz="900" b="0" i="0" u="none" strike="noStrike" baseline="0">
+                <a:solidFill>
+                  <a:srgbClr val="333333"/>
+                </a:solidFill>
+                <a:latin typeface="Calibri"/>
+                <a:ea typeface="Calibri"/>
+                <a:cs typeface="Calibri"/>
+              </a:defRPr>
+            </a:pPr>
+            <a:endParaRPr lang="en-US"/>
+          </a:p>
+        </c:txPr>
+        <c:crossAx val="-1597933920"/>
+        <c:crosses val="autoZero"/>
+        <c:auto val="1"/>
+        <c:lblAlgn val="ctr"/>
+        <c:lblOffset val="100"/>
+        <c:noMultiLvlLbl val="0"/>
+      </c:catAx>
+      <c:valAx>
+        <c:axId val="-1597933920"/>
+        <c:scaling>
+          <c:orientation val="minMax"/>
+        </c:scaling>
+        <c:delete val="0"/>
+        <c:axPos val="l"/>
+        <c:majorGridlines>
+          <c:spPr>
+            <a:ln w="9525" cap="flat" cmpd="sng" algn="ctr">
+              <a:solidFill>
+                <a:schemeClr val="tx1">
+                  <a:lumMod val="15000"/>
+                  <a:lumOff val="85000"/>
+                </a:schemeClr>
+              </a:solidFill>
+              <a:round/>
+            </a:ln>
+            <a:effectLst/>
+          </c:spPr>
+        </c:majorGridlines>
+        <c:numFmt formatCode="0.00" sourceLinked="1"/>
+        <c:majorTickMark val="none"/>
+        <c:minorTickMark val="none"/>
+        <c:tickLblPos val="nextTo"/>
+        <c:spPr>
+          <a:ln w="9525">
+            <a:noFill/>
+          </a:ln>
+        </c:spPr>
+        <c:txPr>
+          <a:bodyPr rot="0" vert="horz"/>
+          <a:lstStyle/>
+          <a:p>
+            <a:pPr>
+              <a:defRPr sz="900" b="0" i="0" u="none" strike="noStrike" baseline="0">
+                <a:solidFill>
+                  <a:srgbClr val="333333"/>
+                </a:solidFill>
+                <a:latin typeface="Calibri"/>
+                <a:ea typeface="Calibri"/>
+                <a:cs typeface="Calibri"/>
+              </a:defRPr>
+            </a:pPr>
+            <a:endParaRPr lang="en-US"/>
+          </a:p>
+        </c:txPr>
+        <c:crossAx val="-1597930112"/>
+        <c:crosses val="autoZero"/>
+        <c:crossBetween val="between"/>
+      </c:valAx>
+      <c:spPr>
+        <a:noFill/>
+        <a:ln w="25400">
+          <a:noFill/>
+        </a:ln>
+      </c:spPr>
+    </c:plotArea>
+    <c:plotVisOnly val="1"/>
+    <c:dispBlanksAs val="gap"/>
+    <c:showDLblsOverMax val="0"/>
+  </c:chart>
+  <c:spPr>
+    <a:solidFill>
+      <a:schemeClr val="bg1"/>
+    </a:solidFill>
+    <a:ln w="9525" cap="flat" cmpd="sng" algn="ctr">
+      <a:solidFill>
+        <a:schemeClr val="tx1">
+          <a:lumMod val="15000"/>
+          <a:lumOff val="85000"/>
+        </a:schemeClr>
+      </a:solidFill>
+      <a:round/>
+    </a:ln>
+    <a:effectLst/>
+  </c:spPr>
+  <c:txPr>
+    <a:bodyPr/>
+    <a:lstStyle/>
+    <a:p>
+      <a:pPr>
+        <a:defRPr sz="1000" b="0" i="0" u="none" strike="noStrike" baseline="0">
+          <a:solidFill>
+            <a:srgbClr val="000000"/>
+          </a:solidFill>
+          <a:latin typeface="Calibri"/>
+          <a:ea typeface="Calibri"/>
+          <a:cs typeface="Calibri"/>
+        </a:defRPr>
+      </a:pPr>
+      <a:endParaRPr lang="en-US"/>
+    </a:p>
+  </c:txPr>
+  <c:externalData r:id="rId1">
+    <c:autoUpdate val="0"/>
+  </c:externalData>
+</c:chartSpace>
+</file>
+
+<file path=ppt/charts/chart2.xml><?xml version="1.0" encoding="utf-8"?>
+<c:chartSpace xmlns:c="http://schemas.openxmlformats.org/drawingml/2006/chart" xmlns:a="http://schemas.openxmlformats.org/drawingml/2006/main" xmlns:r="http://schemas.openxmlformats.org/officeDocument/2006/relationships">
+  <c:date1904 val="0"/>
+  <c:lang val="en-US"/>
+  <c:roundedCorners val="0"/>
+  <mc:AlternateContent xmlns:mc="http://schemas.openxmlformats.org/markup-compatibility/2006">
+    <mc:Choice xmlns:c14="http://schemas.microsoft.com/office/drawing/2007/8/2/chart" Requires="c14">
+      <c14:style val="102"/>
+    </mc:Choice>
+    <mc:Fallback>
+      <c:style val="2"/>
+    </mc:Fallback>
+  </mc:AlternateContent>
+  <c:chart>
+    <c:title>
+      <c:tx>
+        <c:rich>
+          <a:bodyPr rot="0" spcFirstLastPara="1" vertOverflow="ellipsis" vert="horz" wrap="square" anchor="ctr" anchorCtr="1"/>
+          <a:lstStyle/>
+          <a:p>
+            <a:pPr>
+              <a:defRPr sz="1600" b="1" i="0" u="none" strike="noStrike" kern="1200" cap="none" spc="0" normalizeH="0" baseline="0">
+                <a:solidFill>
+                  <a:schemeClr val="dk1">
+                    <a:lumMod val="50000"/>
+                    <a:lumOff val="50000"/>
+                  </a:schemeClr>
+                </a:solidFill>
+                <a:latin typeface="+mj-lt"/>
+                <a:ea typeface="+mj-ea"/>
+                <a:cs typeface="+mj-cs"/>
+              </a:defRPr>
+            </a:pPr>
+            <a:r>
+              <a:rPr lang="en-US"/>
+              <a:t>Time for planing/ Time for doing</a:t>
+            </a:r>
+          </a:p>
+        </c:rich>
+      </c:tx>
+      <c:layout/>
+      <c:overlay val="0"/>
+      <c:spPr>
+        <a:noFill/>
+        <a:ln>
+          <a:noFill/>
+        </a:ln>
+        <a:effectLst/>
+      </c:spPr>
+      <c:txPr>
+        <a:bodyPr rot="0" spcFirstLastPara="1" vertOverflow="ellipsis" vert="horz" wrap="square" anchor="ctr" anchorCtr="1"/>
+        <a:lstStyle/>
+        <a:p>
+          <a:pPr>
+            <a:defRPr sz="1600" b="1" i="0" u="none" strike="noStrike" kern="1200" cap="none" spc="0" normalizeH="0" baseline="0">
+              <a:solidFill>
+                <a:schemeClr val="dk1">
+                  <a:lumMod val="50000"/>
+                  <a:lumOff val="50000"/>
+                </a:schemeClr>
+              </a:solidFill>
+              <a:latin typeface="+mj-lt"/>
+              <a:ea typeface="+mj-ea"/>
+              <a:cs typeface="+mj-cs"/>
+            </a:defRPr>
+          </a:pPr>
+          <a:endParaRPr lang="en-US"/>
+        </a:p>
+      </c:txPr>
+    </c:title>
+    <c:autoTitleDeleted val="0"/>
+    <c:plotArea>
+      <c:layout/>
+      <c:barChart>
+        <c:barDir val="col"/>
+        <c:grouping val="clustered"/>
+        <c:varyColors val="0"/>
+        <c:ser>
+          <c:idx val="0"/>
+          <c:order val="0"/>
+          <c:tx>
+            <c:strRef>
+              <c:f>'Week#25'!$A$2</c:f>
+              <c:strCache>
+                <c:ptCount val="1"/>
+                <c:pt idx="0">
+                  <c:v>SUMMARY: TIME FOR PLANNING PROJECT</c:v>
+                </c:pt>
+              </c:strCache>
+            </c:strRef>
+          </c:tx>
+          <c:spPr>
+            <a:solidFill>
+              <a:schemeClr val="accent6"/>
+            </a:solidFill>
+            <a:ln>
+              <a:noFill/>
+            </a:ln>
+            <a:effectLst/>
+          </c:spPr>
+          <c:invertIfNegative val="0"/>
+          <c:dLbls>
+            <c:spPr>
+              <a:noFill/>
+              <a:ln>
+                <a:noFill/>
+              </a:ln>
+              <a:effectLst/>
+            </c:spPr>
+            <c:txPr>
+              <a:bodyPr rot="0" spcFirstLastPara="1" vertOverflow="ellipsis" vert="horz" wrap="square" lIns="38100" tIns="19050" rIns="38100" bIns="19050" anchor="ctr" anchorCtr="1">
+                <a:spAutoFit/>
+              </a:bodyPr>
+              <a:lstStyle/>
+              <a:p>
+                <a:pPr>
+                  <a:defRPr sz="900" b="0" i="0" u="none" strike="noStrike" kern="1200" baseline="0">
+                    <a:solidFill>
+                      <a:schemeClr val="dk1">
+                        <a:lumMod val="75000"/>
+                        <a:lumOff val="25000"/>
+                      </a:schemeClr>
+                    </a:solidFill>
+                    <a:latin typeface="+mn-lt"/>
+                    <a:ea typeface="+mn-ea"/>
+                    <a:cs typeface="+mn-cs"/>
+                  </a:defRPr>
+                </a:pPr>
+                <a:endParaRPr lang="en-US"/>
+              </a:p>
+            </c:txPr>
+            <c:dLblPos val="outEnd"/>
+            <c:showLegendKey val="0"/>
+            <c:showVal val="1"/>
+            <c:showCatName val="0"/>
+            <c:showSerName val="0"/>
+            <c:showPercent val="0"/>
+            <c:showBubbleSize val="0"/>
+            <c:showLeaderLines val="0"/>
+            <c:extLst>
+              <c:ext xmlns:c15="http://schemas.microsoft.com/office/drawing/2012/chart" uri="{CE6537A1-D6FC-4f65-9D91-7224C49458BB}">
+                <c15:layout/>
+                <c15:showLeaderLines val="1"/>
+                <c15:leaderLines>
+                  <c:spPr>
+                    <a:ln w="9525" cap="flat" cmpd="sng" algn="ctr">
+                      <a:solidFill>
+                        <a:schemeClr val="dk1">
+                          <a:lumMod val="35000"/>
+                          <a:lumOff val="65000"/>
+                        </a:schemeClr>
+                      </a:solidFill>
+                      <a:round/>
+                    </a:ln>
+                    <a:effectLst/>
+                  </c:spPr>
+                </c15:leaderLines>
+              </c:ext>
+            </c:extLst>
+          </c:dLbls>
+          <c:cat>
+            <c:strRef>
+              <c:f>'Week#25'!$B$1:$G$1</c:f>
+              <c:strCache>
+                <c:ptCount val="6"/>
+                <c:pt idx="0">
+                  <c:v>Chau Le</c:v>
+                </c:pt>
+                <c:pt idx="1">
+                  <c:v>Dao Khau</c:v>
+                </c:pt>
+                <c:pt idx="2">
+                  <c:v>Huy Ngo</c:v>
+                </c:pt>
+                <c:pt idx="3">
+                  <c:v>Huy Nguyen</c:v>
+                </c:pt>
+                <c:pt idx="4">
+                  <c:v>Khang Huynh</c:v>
+                </c:pt>
+                <c:pt idx="5">
+                  <c:v>Phu Ta</c:v>
+                </c:pt>
+              </c:strCache>
+            </c:strRef>
+          </c:cat>
+          <c:val>
+            <c:numRef>
+              <c:f>'Week#25'!$B$2:$G$2</c:f>
+              <c:numCache>
+                <c:formatCode>0.00</c:formatCode>
+                <c:ptCount val="6"/>
+                <c:pt idx="0">
+                  <c:v>779</c:v>
+                </c:pt>
+                <c:pt idx="1">
+                  <c:v>807</c:v>
+                </c:pt>
+                <c:pt idx="2">
+                  <c:v>718</c:v>
+                </c:pt>
+                <c:pt idx="3">
+                  <c:v>535</c:v>
+                </c:pt>
+                <c:pt idx="4">
+                  <c:v>738</c:v>
+                </c:pt>
+                <c:pt idx="5">
+                  <c:v>787</c:v>
+                </c:pt>
+              </c:numCache>
+            </c:numRef>
+          </c:val>
+        </c:ser>
+        <c:ser>
+          <c:idx val="1"/>
+          <c:order val="1"/>
+          <c:tx>
+            <c:strRef>
+              <c:f>'Week#25'!$A$3</c:f>
+              <c:strCache>
+                <c:ptCount val="1"/>
+                <c:pt idx="0">
+                  <c:v>SUMMARY: TIME FOR DOING PROJECT</c:v>
+                </c:pt>
+              </c:strCache>
+            </c:strRef>
+          </c:tx>
+          <c:spPr>
+            <a:solidFill>
+              <a:schemeClr val="accent5"/>
+            </a:solidFill>
+            <a:ln>
+              <a:noFill/>
+            </a:ln>
+            <a:effectLst/>
+          </c:spPr>
+          <c:invertIfNegative val="0"/>
+          <c:dLbls>
+            <c:spPr>
+              <a:noFill/>
+              <a:ln>
+                <a:noFill/>
+              </a:ln>
+              <a:effectLst/>
+            </c:spPr>
+            <c:txPr>
+              <a:bodyPr rot="0" spcFirstLastPara="1" vertOverflow="ellipsis" vert="horz" wrap="square" lIns="38100" tIns="19050" rIns="38100" bIns="19050" anchor="ctr" anchorCtr="1">
+                <a:spAutoFit/>
+              </a:bodyPr>
+              <a:lstStyle/>
+              <a:p>
+                <a:pPr>
+                  <a:defRPr sz="900" b="0" i="0" u="none" strike="noStrike" kern="1200" baseline="0">
+                    <a:solidFill>
+                      <a:schemeClr val="dk1">
+                        <a:lumMod val="75000"/>
+                        <a:lumOff val="25000"/>
+                      </a:schemeClr>
+                    </a:solidFill>
+                    <a:latin typeface="+mn-lt"/>
+                    <a:ea typeface="+mn-ea"/>
+                    <a:cs typeface="+mn-cs"/>
+                  </a:defRPr>
+                </a:pPr>
+                <a:endParaRPr lang="en-US"/>
+              </a:p>
+            </c:txPr>
+            <c:dLblPos val="outEnd"/>
+            <c:showLegendKey val="0"/>
+            <c:showVal val="1"/>
+            <c:showCatName val="0"/>
+            <c:showSerName val="0"/>
+            <c:showPercent val="0"/>
+            <c:showBubbleSize val="0"/>
+            <c:showLeaderLines val="0"/>
+            <c:extLst>
+              <c:ext xmlns:c15="http://schemas.microsoft.com/office/drawing/2012/chart" uri="{CE6537A1-D6FC-4f65-9D91-7224C49458BB}">
+                <c15:layout/>
+                <c15:showLeaderLines val="1"/>
+                <c15:leaderLines>
+                  <c:spPr>
+                    <a:ln w="9525" cap="flat" cmpd="sng" algn="ctr">
+                      <a:solidFill>
+                        <a:schemeClr val="dk1">
+                          <a:lumMod val="35000"/>
+                          <a:lumOff val="65000"/>
+                        </a:schemeClr>
+                      </a:solidFill>
+                      <a:round/>
+                    </a:ln>
+                    <a:effectLst/>
+                  </c:spPr>
+                </c15:leaderLines>
+              </c:ext>
+            </c:extLst>
+          </c:dLbls>
+          <c:cat>
+            <c:strRef>
+              <c:f>'Week#25'!$B$1:$G$1</c:f>
+              <c:strCache>
+                <c:ptCount val="6"/>
+                <c:pt idx="0">
+                  <c:v>Chau Le</c:v>
+                </c:pt>
+                <c:pt idx="1">
+                  <c:v>Dao Khau</c:v>
+                </c:pt>
+                <c:pt idx="2">
+                  <c:v>Huy Ngo</c:v>
+                </c:pt>
+                <c:pt idx="3">
+                  <c:v>Huy Nguyen</c:v>
+                </c:pt>
+                <c:pt idx="4">
+                  <c:v>Khang Huynh</c:v>
+                </c:pt>
+                <c:pt idx="5">
+                  <c:v>Phu Ta</c:v>
+                </c:pt>
+              </c:strCache>
+            </c:strRef>
+          </c:cat>
+          <c:val>
+            <c:numRef>
+              <c:f>'Week#25'!$B$3:$G$3</c:f>
+              <c:numCache>
+                <c:formatCode>0.00</c:formatCode>
+                <c:ptCount val="6"/>
+                <c:pt idx="0">
+                  <c:v>657.31</c:v>
+                </c:pt>
+                <c:pt idx="1">
+                  <c:v>636.71</c:v>
+                </c:pt>
+                <c:pt idx="2">
+                  <c:v>612.44000000000005</c:v>
+                </c:pt>
+                <c:pt idx="3">
+                  <c:v>467.44</c:v>
+                </c:pt>
+                <c:pt idx="4">
+                  <c:v>684.45</c:v>
+                </c:pt>
+                <c:pt idx="5">
+                  <c:v>687.21</c:v>
+                </c:pt>
+              </c:numCache>
+            </c:numRef>
+          </c:val>
+        </c:ser>
+        <c:dLbls>
+          <c:dLblPos val="outEnd"/>
+          <c:showLegendKey val="0"/>
+          <c:showVal val="1"/>
+          <c:showCatName val="0"/>
+          <c:showSerName val="0"/>
+          <c:showPercent val="0"/>
+          <c:showBubbleSize val="0"/>
+        </c:dLbls>
+        <c:gapWidth val="267"/>
+        <c:overlap val="-43"/>
+        <c:axId val="-1350045280"/>
+        <c:axId val="-1350054528"/>
+      </c:barChart>
+      <c:catAx>
+        <c:axId val="-1350045280"/>
+        <c:scaling>
+          <c:orientation val="minMax"/>
+        </c:scaling>
+        <c:delete val="0"/>
+        <c:axPos val="b"/>
+        <c:majorGridlines>
+          <c:spPr>
+            <a:ln w="9525" cap="flat" cmpd="sng" algn="ctr">
+              <a:solidFill>
+                <a:schemeClr val="dk1">
+                  <a:lumMod val="15000"/>
+                  <a:lumOff val="85000"/>
+                </a:schemeClr>
+              </a:solidFill>
+              <a:round/>
+            </a:ln>
+            <a:effectLst/>
+          </c:spPr>
+        </c:majorGridlines>
+        <c:numFmt formatCode="General" sourceLinked="1"/>
+        <c:majorTickMark val="none"/>
+        <c:minorTickMark val="none"/>
+        <c:tickLblPos val="nextTo"/>
+        <c:spPr>
+          <a:noFill/>
+          <a:ln w="9525" cap="flat" cmpd="sng" algn="ctr">
+            <a:solidFill>
+              <a:schemeClr val="dk1">
+                <a:lumMod val="15000"/>
+                <a:lumOff val="85000"/>
+              </a:schemeClr>
+            </a:solidFill>
+            <a:round/>
+          </a:ln>
+          <a:effectLst/>
+        </c:spPr>
+        <c:txPr>
+          <a:bodyPr rot="-60000000" spcFirstLastPara="1" vertOverflow="ellipsis" vert="horz" wrap="square" anchor="ctr" anchorCtr="1"/>
+          <a:lstStyle/>
+          <a:p>
+            <a:pPr>
+              <a:defRPr sz="900" b="0" i="0" u="none" strike="noStrike" kern="1200" cap="none" spc="0" normalizeH="0" baseline="0">
+                <a:solidFill>
+                  <a:schemeClr val="dk1">
+                    <a:lumMod val="65000"/>
+                    <a:lumOff val="35000"/>
+                  </a:schemeClr>
+                </a:solidFill>
+                <a:latin typeface="+mn-lt"/>
+                <a:ea typeface="+mn-ea"/>
+                <a:cs typeface="+mn-cs"/>
+              </a:defRPr>
+            </a:pPr>
+            <a:endParaRPr lang="en-US"/>
+          </a:p>
+        </c:txPr>
+        <c:crossAx val="-1350054528"/>
+        <c:crosses val="autoZero"/>
+        <c:auto val="1"/>
+        <c:lblAlgn val="ctr"/>
+        <c:lblOffset val="100"/>
+        <c:noMultiLvlLbl val="0"/>
+      </c:catAx>
+      <c:valAx>
+        <c:axId val="-1350054528"/>
+        <c:scaling>
+          <c:orientation val="minMax"/>
+        </c:scaling>
+        <c:delete val="0"/>
+        <c:axPos val="l"/>
+        <c:majorGridlines>
+          <c:spPr>
+            <a:ln w="9525" cap="flat" cmpd="sng" algn="ctr">
+              <a:solidFill>
+                <a:schemeClr val="dk1">
+                  <a:lumMod val="15000"/>
+                  <a:lumOff val="85000"/>
+                </a:schemeClr>
+              </a:solidFill>
+              <a:round/>
+            </a:ln>
+            <a:effectLst/>
+          </c:spPr>
+        </c:majorGridlines>
+        <c:numFmt formatCode="0.00" sourceLinked="1"/>
+        <c:majorTickMark val="none"/>
+        <c:minorTickMark val="none"/>
+        <c:tickLblPos val="nextTo"/>
+        <c:spPr>
+          <a:noFill/>
+          <a:ln>
+            <a:noFill/>
+          </a:ln>
+          <a:effectLst/>
+        </c:spPr>
+        <c:txPr>
+          <a:bodyPr rot="-60000000" spcFirstLastPara="1" vertOverflow="ellipsis" vert="horz" wrap="square" anchor="ctr" anchorCtr="1"/>
+          <a:lstStyle/>
+          <a:p>
+            <a:pPr>
+              <a:defRPr sz="900" b="0" i="0" u="none" strike="noStrike" kern="1200" baseline="0">
+                <a:solidFill>
+                  <a:schemeClr val="dk1">
+                    <a:lumMod val="65000"/>
+                    <a:lumOff val="35000"/>
+                  </a:schemeClr>
+                </a:solidFill>
+                <a:latin typeface="+mn-lt"/>
+                <a:ea typeface="+mn-ea"/>
+                <a:cs typeface="+mn-cs"/>
+              </a:defRPr>
+            </a:pPr>
+            <a:endParaRPr lang="en-US"/>
+          </a:p>
+        </c:txPr>
+        <c:crossAx val="-1350045280"/>
+        <c:crosses val="autoZero"/>
+        <c:crossBetween val="between"/>
+      </c:valAx>
+      <c:spPr>
+        <a:pattFill prst="ltDnDiag">
+          <a:fgClr>
+            <a:schemeClr val="dk1">
+              <a:lumMod val="15000"/>
+              <a:lumOff val="85000"/>
+            </a:schemeClr>
+          </a:fgClr>
+          <a:bgClr>
+            <a:schemeClr val="lt1"/>
+          </a:bgClr>
+        </a:pattFill>
+        <a:ln>
+          <a:noFill/>
+        </a:ln>
+        <a:effectLst/>
+      </c:spPr>
+    </c:plotArea>
+    <c:legend>
+      <c:legendPos val="b"/>
+      <c:layout/>
+      <c:overlay val="0"/>
+      <c:spPr>
+        <a:noFill/>
+        <a:ln>
+          <a:noFill/>
+        </a:ln>
+        <a:effectLst/>
+      </c:spPr>
+      <c:txPr>
+        <a:bodyPr rot="0" spcFirstLastPara="1" vertOverflow="ellipsis" vert="horz" wrap="square" anchor="ctr" anchorCtr="1"/>
+        <a:lstStyle/>
+        <a:p>
+          <a:pPr>
+            <a:defRPr sz="900" b="0" i="0" u="none" strike="noStrike" kern="1200" baseline="0">
+              <a:solidFill>
+                <a:schemeClr val="dk1">
+                  <a:lumMod val="65000"/>
+                  <a:lumOff val="35000"/>
+                </a:schemeClr>
+              </a:solidFill>
+              <a:latin typeface="+mn-lt"/>
+              <a:ea typeface="+mn-ea"/>
+              <a:cs typeface="+mn-cs"/>
+            </a:defRPr>
+          </a:pPr>
+          <a:endParaRPr lang="en-US"/>
+        </a:p>
+      </c:txPr>
+    </c:legend>
+    <c:plotVisOnly val="1"/>
+    <c:dispBlanksAs val="gap"/>
+    <c:showDLblsOverMax val="0"/>
+  </c:chart>
+  <c:spPr>
+    <a:solidFill>
+      <a:schemeClr val="lt1"/>
+    </a:solidFill>
+    <a:ln w="9525" cap="flat" cmpd="sng" algn="ctr">
+      <a:solidFill>
+        <a:schemeClr val="dk1">
+          <a:lumMod val="15000"/>
+          <a:lumOff val="85000"/>
+        </a:schemeClr>
+      </a:solidFill>
+      <a:round/>
+    </a:ln>
+    <a:effectLst/>
+  </c:spPr>
+  <c:txPr>
+    <a:bodyPr/>
+    <a:lstStyle/>
+    <a:p>
+      <a:pPr>
+        <a:defRPr/>
+      </a:pPr>
+      <a:endParaRPr lang="en-US"/>
+    </a:p>
+  </c:txPr>
+  <c:externalData r:id="rId3">
+    <c:autoUpdate val="0"/>
+  </c:externalData>
+</c:chartSpace>
+</file>
+
+<file path=ppt/charts/colors1.xml><?xml version="1.0" encoding="utf-8"?>
+<cs:colorStyle xmlns:cs="http://schemas.microsoft.com/office/drawing/2012/chartStyle" xmlns:a="http://schemas.openxmlformats.org/drawingml/2006/main" meth="cycle" id="13">
+  <a:schemeClr val="accent6"/>
+  <a:schemeClr val="accent5"/>
+  <a:schemeClr val="accent4"/>
+  <cs:variation/>
+  <cs:variation>
+    <a:lumMod val="60000"/>
+  </cs:variation>
+  <cs:variation>
+    <a:lumMod val="80000"/>
+    <a:lumOff val="20000"/>
+  </cs:variation>
+  <cs:variation>
+    <a:lumMod val="80000"/>
+  </cs:variation>
+  <cs:variation>
+    <a:lumMod val="60000"/>
+    <a:lumOff val="40000"/>
+  </cs:variation>
+  <cs:variation>
+    <a:lumMod val="50000"/>
+  </cs:variation>
+  <cs:variation>
+    <a:lumMod val="70000"/>
+    <a:lumOff val="30000"/>
+  </cs:variation>
+  <cs:variation>
+    <a:lumMod val="70000"/>
+  </cs:variation>
+  <cs:variation>
+    <a:lumMod val="50000"/>
+    <a:lumOff val="50000"/>
+  </cs:variation>
+</cs:colorStyle>
+</file>
+
+<file path=ppt/charts/style1.xml><?xml version="1.0" encoding="utf-8"?>
+<cs:chartStyle xmlns:cs="http://schemas.microsoft.com/office/drawing/2012/chartStyle" xmlns:a="http://schemas.openxmlformats.org/drawingml/2006/main" id="208">
+  <cs:axisTitle>
+    <cs:lnRef idx="0"/>
+    <cs:fillRef idx="0"/>
+    <cs:effectRef idx="0"/>
+    <cs:fontRef idx="minor">
+      <a:schemeClr val="dk1">
+        <a:lumMod val="65000"/>
+        <a:lumOff val="35000"/>
+      </a:schemeClr>
+    </cs:fontRef>
+    <cs:defRPr sz="900" b="1" kern="1200"/>
+  </cs:axisTitle>
+  <cs:categoryAxis>
+    <cs:lnRef idx="0"/>
+    <cs:fillRef idx="0"/>
+    <cs:effectRef idx="0"/>
+    <cs:fontRef idx="minor">
+      <a:schemeClr val="dk1">
+        <a:lumMod val="65000"/>
+        <a:lumOff val="35000"/>
+      </a:schemeClr>
+    </cs:fontRef>
+    <cs:spPr>
+      <a:ln w="9525" cap="flat" cmpd="sng" algn="ctr">
+        <a:solidFill>
+          <a:schemeClr val="dk1">
+            <a:lumMod val="15000"/>
+            <a:lumOff val="85000"/>
+          </a:schemeClr>
+        </a:solidFill>
+        <a:round/>
+      </a:ln>
+    </cs:spPr>
+    <cs:defRPr sz="900" kern="1200" cap="none" spc="0" normalizeH="0" baseline="0"/>
+  </cs:categoryAxis>
+  <cs:chartArea>
+    <cs:lnRef idx="0"/>
+    <cs:fillRef idx="0"/>
+    <cs:effectRef idx="0"/>
+    <cs:fontRef idx="minor">
+      <a:schemeClr val="dk1"/>
+    </cs:fontRef>
+    <cs:spPr>
+      <a:solidFill>
+        <a:schemeClr val="lt1"/>
+      </a:solidFill>
+      <a:ln w="9525" cap="flat" cmpd="sng" algn="ctr">
+        <a:solidFill>
+          <a:schemeClr val="dk1">
+            <a:lumMod val="15000"/>
+            <a:lumOff val="85000"/>
+          </a:schemeClr>
+        </a:solidFill>
+        <a:round/>
+      </a:ln>
+    </cs:spPr>
+    <cs:defRPr sz="900" kern="1200"/>
+  </cs:chartArea>
+  <cs:dataLabel>
+    <cs:lnRef idx="0"/>
+    <cs:fillRef idx="0"/>
+    <cs:effectRef idx="0"/>
+    <cs:fontRef idx="minor">
+      <a:schemeClr val="dk1">
+        <a:lumMod val="75000"/>
+        <a:lumOff val="25000"/>
+      </a:schemeClr>
+    </cs:fontRef>
+    <cs:defRPr sz="900" kern="1200"/>
+  </cs:dataLabel>
+  <cs:dataLabelCallout>
+    <cs:lnRef idx="0"/>
+    <cs:fillRef idx="0"/>
+    <cs:effectRef idx="0"/>
+    <cs:fontRef idx="minor">
+      <a:schemeClr val="dk1">
+        <a:lumMod val="65000"/>
+        <a:lumOff val="35000"/>
+      </a:schemeClr>
+    </cs:fontRef>
+    <cs:spPr>
+      <a:solidFill>
+        <a:schemeClr val="lt1"/>
+      </a:solidFill>
+      <a:ln>
+        <a:solidFill>
+          <a:schemeClr val="dk1">
+            <a:lumMod val="25000"/>
+            <a:lumOff val="75000"/>
+          </a:schemeClr>
+        </a:solidFill>
+      </a:ln>
+    </cs:spPr>
+    <cs:defRPr sz="900" kern="1200"/>
+    <cs:bodyPr rot="0" spcFirstLastPara="1" vertOverflow="clip" horzOverflow="clip" vert="horz" wrap="square" lIns="36576" tIns="18288" rIns="36576" bIns="18288" anchor="ctr" anchorCtr="1">
+      <a:spAutoFit/>
+    </cs:bodyPr>
+  </cs:dataLabelCallout>
+  <cs:dataPoint>
+    <cs:lnRef idx="0"/>
+    <cs:fillRef idx="0">
+      <cs:styleClr val="auto"/>
+    </cs:fillRef>
+    <cs:effectRef idx="0"/>
+    <cs:fontRef idx="minor">
+      <a:schemeClr val="dk1"/>
+    </cs:fontRef>
+    <cs:spPr>
+      <a:solidFill>
+        <a:schemeClr val="phClr"/>
+      </a:solidFill>
+    </cs:spPr>
+  </cs:dataPoint>
+  <cs:dataPoint3D>
+    <cs:lnRef idx="0"/>
+    <cs:fillRef idx="0">
+      <cs:styleClr val="auto"/>
+    </cs:fillRef>
+    <cs:effectRef idx="0"/>
+    <cs:fontRef idx="minor">
+      <a:schemeClr val="dk1"/>
+    </cs:fontRef>
+    <cs:spPr>
+      <a:solidFill>
+        <a:schemeClr val="phClr"/>
+      </a:solidFill>
+    </cs:spPr>
+  </cs:dataPoint3D>
+  <cs:dataPointLine>
+    <cs:lnRef idx="0">
+      <cs:styleClr val="auto"/>
+    </cs:lnRef>
+    <cs:fillRef idx="0"/>
+    <cs:effectRef idx="0"/>
+    <cs:fontRef idx="minor">
+      <a:schemeClr val="dk1"/>
+    </cs:fontRef>
+    <cs:spPr>
+      <a:ln w="22225" cap="rnd">
+        <a:solidFill>
+          <a:schemeClr val="phClr"/>
+        </a:solidFill>
+        <a:round/>
+      </a:ln>
+    </cs:spPr>
+  </cs:dataPointLine>
+  <cs:dataPointMarker>
+    <cs:lnRef idx="0">
+      <cs:styleClr val="auto"/>
+    </cs:lnRef>
+    <cs:fillRef idx="0">
+      <cs:styleClr val="auto"/>
+    </cs:fillRef>
+    <cs:effectRef idx="0"/>
+    <cs:fontRef idx="minor">
+      <a:schemeClr val="dk1"/>
+    </cs:fontRef>
+    <cs:spPr>
+      <a:solidFill>
+        <a:schemeClr val="lt1"/>
+      </a:solidFill>
+      <a:ln w="15875">
+        <a:solidFill>
+          <a:schemeClr val="phClr"/>
+        </a:solidFill>
+        <a:round/>
+      </a:ln>
+    </cs:spPr>
+  </cs:dataPointMarker>
+  <cs:dataPointMarkerLayout symbol="circle" size="6"/>
+  <cs:dataPointWireframe>
+    <cs:lnRef idx="0">
+      <cs:styleClr val="auto"/>
+    </cs:lnRef>
+    <cs:fillRef idx="0"/>
+    <cs:effectRef idx="0"/>
+    <cs:fontRef idx="minor">
+      <a:schemeClr val="dk1"/>
+    </cs:fontRef>
+    <cs:spPr>
+      <a:ln w="9525" cap="rnd">
+        <a:solidFill>
+          <a:schemeClr val="phClr"/>
+        </a:solidFill>
+        <a:round/>
+      </a:ln>
+    </cs:spPr>
+  </cs:dataPointWireframe>
+  <cs:dataTable>
+    <cs:lnRef idx="0"/>
+    <cs:fillRef idx="0"/>
+    <cs:effectRef idx="0"/>
+    <cs:fontRef idx="minor">
+      <a:schemeClr val="dk1">
+        <a:lumMod val="65000"/>
+        <a:lumOff val="35000"/>
+      </a:schemeClr>
+    </cs:fontRef>
+    <cs:spPr>
+      <a:ln w="9525" cap="flat" cmpd="sng" algn="ctr">
+        <a:solidFill>
+          <a:schemeClr val="dk1">
+            <a:lumMod val="15000"/>
+            <a:lumOff val="85000"/>
+          </a:schemeClr>
+        </a:solidFill>
+        <a:round/>
+      </a:ln>
+    </cs:spPr>
+    <cs:defRPr sz="800" kern="1200"/>
+  </cs:dataTable>
+  <cs:downBar>
+    <cs:lnRef idx="0"/>
+    <cs:fillRef idx="0"/>
+    <cs:effectRef idx="0"/>
+    <cs:fontRef idx="minor">
+      <a:schemeClr val="dk1"/>
+    </cs:fontRef>
+    <cs:spPr>
+      <a:solidFill>
+        <a:schemeClr val="dk1">
+          <a:lumMod val="75000"/>
+          <a:lumOff val="25000"/>
+        </a:schemeClr>
+      </a:solidFill>
+      <a:ln w="9525" cap="flat" cmpd="sng" algn="ctr">
+        <a:solidFill>
+          <a:schemeClr val="dk1">
+            <a:lumMod val="50000"/>
+            <a:lumOff val="50000"/>
+          </a:schemeClr>
+        </a:solidFill>
+        <a:round/>
+      </a:ln>
+    </cs:spPr>
+  </cs:downBar>
+  <cs:dropLine>
+    <cs:lnRef idx="0"/>
+    <cs:fillRef idx="0"/>
+    <cs:effectRef idx="0"/>
+    <cs:fontRef idx="minor">
+      <a:schemeClr val="dk1"/>
+    </cs:fontRef>
+    <cs:spPr>
+      <a:ln w="9525" cap="flat" cmpd="sng" algn="ctr">
+        <a:solidFill>
+          <a:schemeClr val="dk1">
+            <a:lumMod val="35000"/>
+            <a:lumOff val="65000"/>
+          </a:schemeClr>
+        </a:solidFill>
+        <a:round/>
+      </a:ln>
+    </cs:spPr>
+  </cs:dropLine>
+  <cs:errorBar>
+    <cs:lnRef idx="0"/>
+    <cs:fillRef idx="0"/>
+    <cs:effectRef idx="0"/>
+    <cs:fontRef idx="minor">
+      <a:schemeClr val="dk1"/>
+    </cs:fontRef>
+    <cs:spPr>
+      <a:ln w="9525" cap="flat" cmpd="sng" algn="ctr">
+        <a:solidFill>
+          <a:schemeClr val="dk1">
+            <a:lumMod val="50000"/>
+            <a:lumOff val="50000"/>
+          </a:schemeClr>
+        </a:solidFill>
+        <a:round/>
+      </a:ln>
+    </cs:spPr>
+  </cs:errorBar>
+  <cs:floor>
+    <cs:lnRef idx="0"/>
+    <cs:fillRef idx="0"/>
+    <cs:effectRef idx="0"/>
+    <cs:fontRef idx="minor">
+      <a:schemeClr val="dk1"/>
+    </cs:fontRef>
+    <cs:spPr>
+      <a:pattFill prst="ltDnDiag">
+        <a:fgClr>
+          <a:schemeClr val="dk1">
+            <a:lumMod val="15000"/>
+            <a:lumOff val="85000"/>
+          </a:schemeClr>
+        </a:fgClr>
+        <a:bgClr>
+          <a:schemeClr val="lt1"/>
+        </a:bgClr>
+      </a:pattFill>
+    </cs:spPr>
+  </cs:floor>
+  <cs:gridlineMajor>
+    <cs:lnRef idx="0"/>
+    <cs:fillRef idx="0"/>
+    <cs:effectRef idx="0"/>
+    <cs:fontRef idx="minor">
+      <a:schemeClr val="dk1"/>
+    </cs:fontRef>
+    <cs:spPr>
+      <a:ln w="9525" cap="flat" cmpd="sng" algn="ctr">
+        <a:solidFill>
+          <a:schemeClr val="dk1">
+            <a:lumMod val="15000"/>
+            <a:lumOff val="85000"/>
+          </a:schemeClr>
+        </a:solidFill>
+        <a:round/>
+      </a:ln>
+    </cs:spPr>
+  </cs:gridlineMajor>
+  <cs:gridlineMinor>
+    <cs:lnRef idx="0"/>
+    <cs:fillRef idx="0"/>
+    <cs:effectRef idx="0"/>
+    <cs:fontRef idx="minor">
+      <a:schemeClr val="dk1"/>
+    </cs:fontRef>
+    <cs:spPr>
+      <a:ln w="9525" cap="flat" cmpd="sng" algn="ctr">
+        <a:solidFill>
+          <a:schemeClr val="dk1">
+            <a:lumMod val="5000"/>
+            <a:lumOff val="95000"/>
+          </a:schemeClr>
+        </a:solidFill>
+        <a:round/>
+      </a:ln>
+    </cs:spPr>
+  </cs:gridlineMinor>
+  <cs:hiLoLine>
+    <cs:lnRef idx="0"/>
+    <cs:fillRef idx="0"/>
+    <cs:effectRef idx="0"/>
+    <cs:fontRef idx="minor">
+      <a:schemeClr val="dk1"/>
+    </cs:fontRef>
+    <cs:spPr>
+      <a:ln w="9525" cap="flat" cmpd="sng" algn="ctr">
+        <a:solidFill>
+          <a:schemeClr val="dk1">
+            <a:lumMod val="35000"/>
+            <a:lumOff val="65000"/>
+          </a:schemeClr>
+        </a:solidFill>
+        <a:round/>
+      </a:ln>
+    </cs:spPr>
+  </cs:hiLoLine>
+  <cs:leaderLine>
+    <cs:lnRef idx="0"/>
+    <cs:fillRef idx="0"/>
+    <cs:effectRef idx="0"/>
+    <cs:fontRef idx="minor">
+      <a:schemeClr val="dk1"/>
+    </cs:fontRef>
+    <cs:spPr>
+      <a:ln w="9525" cap="flat" cmpd="sng" algn="ctr">
+        <a:solidFill>
+          <a:schemeClr val="dk1">
+            <a:lumMod val="35000"/>
+            <a:lumOff val="65000"/>
+          </a:schemeClr>
+        </a:solidFill>
+        <a:round/>
+      </a:ln>
+    </cs:spPr>
+  </cs:leaderLine>
+  <cs:legend>
+    <cs:lnRef idx="0"/>
+    <cs:fillRef idx="0"/>
+    <cs:effectRef idx="0"/>
+    <cs:fontRef idx="minor">
+      <a:schemeClr val="dk1">
+        <a:lumMod val="65000"/>
+        <a:lumOff val="35000"/>
+      </a:schemeClr>
+    </cs:fontRef>
+    <cs:defRPr sz="900" kern="1200"/>
+  </cs:legend>
+  <cs:plotArea>
+    <cs:lnRef idx="0"/>
+    <cs:fillRef idx="0"/>
+    <cs:effectRef idx="0"/>
+    <cs:fontRef idx="minor">
+      <a:schemeClr val="dk1"/>
+    </cs:fontRef>
+    <cs:spPr>
+      <a:pattFill prst="ltDnDiag">
+        <a:fgClr>
+          <a:schemeClr val="dk1">
+            <a:lumMod val="15000"/>
+            <a:lumOff val="85000"/>
+          </a:schemeClr>
+        </a:fgClr>
+        <a:bgClr>
+          <a:schemeClr val="lt1"/>
+        </a:bgClr>
+      </a:pattFill>
+    </cs:spPr>
+  </cs:plotArea>
+  <cs:plotArea3D>
+    <cs:lnRef idx="0"/>
+    <cs:fillRef idx="0"/>
+    <cs:effectRef idx="0"/>
+    <cs:fontRef idx="minor">
+      <a:schemeClr val="dk1"/>
+    </cs:fontRef>
+    <cs:spPr>
+      <a:solidFill>
+        <a:schemeClr val="lt1"/>
+      </a:solidFill>
+    </cs:spPr>
+  </cs:plotArea3D>
+  <cs:seriesAxis>
+    <cs:lnRef idx="0"/>
+    <cs:fillRef idx="0"/>
+    <cs:effectRef idx="0"/>
+    <cs:fontRef idx="minor">
+      <a:schemeClr val="dk1">
+        <a:lumMod val="65000"/>
+        <a:lumOff val="35000"/>
+      </a:schemeClr>
+    </cs:fontRef>
+    <cs:defRPr sz="900" kern="1200"/>
+  </cs:seriesAxis>
+  <cs:seriesLine>
+    <cs:lnRef idx="0"/>
+    <cs:fillRef idx="0"/>
+    <cs:effectRef idx="0"/>
+    <cs:fontRef idx="minor">
+      <a:schemeClr val="dk1"/>
+    </cs:fontRef>
+    <cs:spPr>
+      <a:ln w="9525" cap="flat" cmpd="sng" algn="ctr">
+        <a:solidFill>
+          <a:schemeClr val="dk1">
+            <a:lumMod val="35000"/>
+            <a:lumOff val="65000"/>
+          </a:schemeClr>
+        </a:solidFill>
+        <a:round/>
+      </a:ln>
+    </cs:spPr>
+  </cs:seriesLine>
+  <cs:title>
+    <cs:lnRef idx="0"/>
+    <cs:fillRef idx="0"/>
+    <cs:effectRef idx="0"/>
+    <cs:fontRef idx="major">
+      <a:schemeClr val="dk1">
+        <a:lumMod val="50000"/>
+        <a:lumOff val="50000"/>
+      </a:schemeClr>
+    </cs:fontRef>
+    <cs:defRPr sz="1600" b="1" kern="1200" cap="none" spc="0" normalizeH="0" baseline="0"/>
+  </cs:title>
+  <cs:trendline>
+    <cs:lnRef idx="0">
+      <cs:styleClr val="auto"/>
+    </cs:lnRef>
+    <cs:fillRef idx="0"/>
+    <cs:effectRef idx="0"/>
+    <cs:fontRef idx="minor">
+      <a:schemeClr val="dk1"/>
+    </cs:fontRef>
+    <cs:spPr>
+      <a:ln w="19050" cap="rnd">
+        <a:solidFill>
+          <a:schemeClr val="phClr"/>
+        </a:solidFill>
+      </a:ln>
+    </cs:spPr>
+  </cs:trendline>
+  <cs:trendlineLabel>
+    <cs:lnRef idx="0"/>
+    <cs:fillRef idx="0"/>
+    <cs:effectRef idx="0"/>
+    <cs:fontRef idx="minor">
+      <a:schemeClr val="dk1">
+        <a:lumMod val="65000"/>
+        <a:lumOff val="35000"/>
+      </a:schemeClr>
+    </cs:fontRef>
+    <cs:defRPr sz="900" kern="1200"/>
+  </cs:trendlineLabel>
+  <cs:upBar>
+    <cs:lnRef idx="0"/>
+    <cs:fillRef idx="0"/>
+    <cs:effectRef idx="0"/>
+    <cs:fontRef idx="minor">
+      <a:schemeClr val="dk1"/>
+    </cs:fontRef>
+    <cs:spPr>
+      <a:solidFill>
+        <a:schemeClr val="lt1"/>
+      </a:solidFill>
+      <a:ln w="9525" cap="flat" cmpd="sng" algn="ctr">
+        <a:solidFill>
+          <a:schemeClr val="dk1">
+            <a:lumMod val="50000"/>
+            <a:lumOff val="50000"/>
+          </a:schemeClr>
+        </a:solidFill>
+        <a:round/>
+      </a:ln>
+    </cs:spPr>
+  </cs:upBar>
+  <cs:valueAxis>
+    <cs:lnRef idx="0"/>
+    <cs:fillRef idx="0"/>
+    <cs:effectRef idx="0"/>
+    <cs:fontRef idx="minor">
+      <a:schemeClr val="dk1">
+        <a:lumMod val="65000"/>
+        <a:lumOff val="35000"/>
+      </a:schemeClr>
+    </cs:fontRef>
+    <cs:defRPr sz="900" kern="1200"/>
+  </cs:valueAxis>
+  <cs:wall>
+    <cs:lnRef idx="0"/>
+    <cs:fillRef idx="0"/>
+    <cs:effectRef idx="0"/>
+    <cs:fontRef idx="minor">
+      <a:schemeClr val="dk1"/>
+    </cs:fontRef>
+    <cs:spPr>
+      <a:pattFill prst="ltDnDiag">
+        <a:fgClr>
+          <a:schemeClr val="dk1">
+            <a:lumMod val="15000"/>
+            <a:lumOff val="85000"/>
+          </a:schemeClr>
+        </a:fgClr>
+        <a:bgClr>
+          <a:schemeClr val="lt1"/>
+        </a:bgClr>
+      </a:pattFill>
+    </cs:spPr>
+  </cs:wall>
+</cs:chartStyle>
 </file>
 
 <file path=ppt/slideLayouts/slideLayout1.xml><?xml version="1.0" encoding="utf-8"?>
@@ -5073,10 +6643,6 @@
                         </a:rPr>
                         <a:t>All team</a:t>
                       </a:r>
-                      <a:endParaRPr lang="en-US" sz="1400" dirty="0" smtClean="0">
-                        <a:latin typeface="Times New Roman" panose="02020603050405020304" pitchFamily="18" charset="0"/>
-                        <a:cs typeface="Times New Roman" panose="02020603050405020304" pitchFamily="18" charset="0"/>
-                      </a:endParaRPr>
                     </a:p>
                   </a:txBody>
                   <a:tcPr/>
@@ -5960,6 +7526,30 @@
           </a:p>
         </p:txBody>
       </p:sp>
+      <p:graphicFrame>
+        <p:nvGraphicFramePr>
+          <p:cNvPr id="7" name="Chart 6"/>
+          <p:cNvGraphicFramePr>
+            <a:graphicFrameLocks/>
+          </p:cNvGraphicFramePr>
+          <p:nvPr>
+            <p:extLst>
+              <p:ext uri="{D42A27DB-BD31-4B8C-83A1-F6EECF244321}">
+                <p14:modId xmlns:p14="http://schemas.microsoft.com/office/powerpoint/2010/main" val="2168034262"/>
+              </p:ext>
+            </p:extLst>
+          </p:nvPr>
+        </p:nvGraphicFramePr>
+        <p:xfrm>
+          <a:off x="1335505" y="1690689"/>
+          <a:ext cx="9468853" cy="4120564"/>
+        </p:xfrm>
+        <a:graphic>
+          <a:graphicData uri="http://schemas.openxmlformats.org/drawingml/2006/chart">
+            <c:chart xmlns:c="http://schemas.openxmlformats.org/drawingml/2006/chart" xmlns:r="http://schemas.openxmlformats.org/officeDocument/2006/relationships" r:id="rId2"/>
+          </a:graphicData>
+        </a:graphic>
+      </p:graphicFrame>
     </p:spTree>
     <p:extLst>
       <p:ext uri="{BB962C8B-B14F-4D97-AF65-F5344CB8AC3E}">
@@ -6215,6 +7805,30 @@
           </a:p>
         </p:txBody>
       </p:sp>
+      <p:graphicFrame>
+        <p:nvGraphicFramePr>
+          <p:cNvPr id="7" name="Chart 6"/>
+          <p:cNvGraphicFramePr>
+            <a:graphicFrameLocks/>
+          </p:cNvGraphicFramePr>
+          <p:nvPr>
+            <p:extLst>
+              <p:ext uri="{D42A27DB-BD31-4B8C-83A1-F6EECF244321}">
+                <p14:modId xmlns:p14="http://schemas.microsoft.com/office/powerpoint/2010/main" val="3937683394"/>
+              </p:ext>
+            </p:extLst>
+          </p:nvPr>
+        </p:nvGraphicFramePr>
+        <p:xfrm>
+          <a:off x="1227221" y="1690688"/>
+          <a:ext cx="9757611" cy="4084470"/>
+        </p:xfrm>
+        <a:graphic>
+          <a:graphicData uri="http://schemas.openxmlformats.org/drawingml/2006/chart">
+            <c:chart xmlns:c="http://schemas.openxmlformats.org/drawingml/2006/chart" xmlns:r="http://schemas.openxmlformats.org/officeDocument/2006/relationships" r:id="rId2"/>
+          </a:graphicData>
+        </a:graphic>
+      </p:graphicFrame>
     </p:spTree>
     <p:extLst>
       <p:ext uri="{BB962C8B-B14F-4D97-AF65-F5344CB8AC3E}">
@@ -6458,7 +8072,6 @@
               <a:rPr lang="en-US" dirty="0" smtClean="0"/>
               <a:t>Start sprint 4</a:t>
             </a:r>
-            <a:endParaRPr lang="en-US" dirty="0" smtClean="0"/>
           </a:p>
           <a:p>
             <a:pPr marL="285750" indent="-285750">

--- a/trunk/9. Presentation/AS_DeadlineTeam_Week24.pptx
+++ b/trunk/9. Presentation/AS_DeadlineTeam_Week24.pptx
@@ -168,7 +168,6 @@
           </a:p>
         </c:rich>
       </c:tx>
-      <c:layout/>
       <c:overlay val="0"/>
       <c:spPr>
         <a:noFill/>
@@ -325,7 +324,6 @@
             <c:showLeaderLines val="0"/>
             <c:extLst>
               <c:ext xmlns:c15="http://schemas.microsoft.com/office/drawing/2012/chart" uri="{CE6537A1-D6FC-4f65-9D91-7224C49458BB}">
-                <c15:layout/>
                 <c15:showLeaderLines val="0"/>
               </c:ext>
             </c:extLst>
@@ -393,11 +391,11 @@
           <c:showBubbleSize val="0"/>
         </c:dLbls>
         <c:gapWidth val="182"/>
-        <c:axId val="-1597930112"/>
-        <c:axId val="-1597933920"/>
+        <c:axId val="-1937280416"/>
+        <c:axId val="-1937286944"/>
       </c:barChart>
       <c:catAx>
-        <c:axId val="-1597930112"/>
+        <c:axId val="-1937280416"/>
         <c:scaling>
           <c:orientation val="minMax"/>
         </c:scaling>
@@ -437,7 +435,7 @@
             <a:endParaRPr lang="en-US"/>
           </a:p>
         </c:txPr>
-        <c:crossAx val="-1597933920"/>
+        <c:crossAx val="-1937286944"/>
         <c:crosses val="autoZero"/>
         <c:auto val="1"/>
         <c:lblAlgn val="ctr"/>
@@ -445,7 +443,7 @@
         <c:noMultiLvlLbl val="0"/>
       </c:catAx>
       <c:valAx>
-        <c:axId val="-1597933920"/>
+        <c:axId val="-1937286944"/>
         <c:scaling>
           <c:orientation val="minMax"/>
         </c:scaling>
@@ -491,7 +489,7 @@
             <a:endParaRPr lang="en-US"/>
           </a:p>
         </c:txPr>
-        <c:crossAx val="-1597930112"/>
+        <c:crossAx val="-1937280416"/>
         <c:crosses val="autoZero"/>
         <c:crossBetween val="between"/>
       </c:valAx>
@@ -584,7 +582,6 @@
           </a:p>
         </c:rich>
       </c:tx>
-      <c:layout/>
       <c:overlay val="0"/>
       <c:spPr>
         <a:noFill/>
@@ -685,7 +682,6 @@
             <c:showLeaderLines val="0"/>
             <c:extLst>
               <c:ext xmlns:c15="http://schemas.microsoft.com/office/drawing/2012/chart" uri="{CE6537A1-D6FC-4f65-9D91-7224C49458BB}">
-                <c15:layout/>
                 <c15:showLeaderLines val="1"/>
                 <c15:leaderLines>
                   <c:spPr>
@@ -822,7 +818,6 @@
             <c:showLeaderLines val="0"/>
             <c:extLst>
               <c:ext xmlns:c15="http://schemas.microsoft.com/office/drawing/2012/chart" uri="{CE6537A1-D6FC-4f65-9D91-7224C49458BB}">
-                <c15:layout/>
                 <c15:showLeaderLines val="1"/>
                 <c15:leaderLines>
                   <c:spPr>
@@ -906,11 +901,11 @@
         </c:dLbls>
         <c:gapWidth val="267"/>
         <c:overlap val="-43"/>
-        <c:axId val="-1350045280"/>
-        <c:axId val="-1350054528"/>
+        <c:axId val="-1937273888"/>
+        <c:axId val="-1937282048"/>
       </c:barChart>
       <c:catAx>
-        <c:axId val="-1350045280"/>
+        <c:axId val="-1937273888"/>
         <c:scaling>
           <c:orientation val="minMax"/>
         </c:scaling>
@@ -967,7 +962,7 @@
             <a:endParaRPr lang="en-US"/>
           </a:p>
         </c:txPr>
-        <c:crossAx val="-1350054528"/>
+        <c:crossAx val="-1937282048"/>
         <c:crosses val="autoZero"/>
         <c:auto val="1"/>
         <c:lblAlgn val="ctr"/>
@@ -975,7 +970,7 @@
         <c:noMultiLvlLbl val="0"/>
       </c:catAx>
       <c:valAx>
-        <c:axId val="-1350054528"/>
+        <c:axId val="-1937282048"/>
         <c:scaling>
           <c:orientation val="minMax"/>
         </c:scaling>
@@ -1026,7 +1021,7 @@
             <a:endParaRPr lang="en-US"/>
           </a:p>
         </c:txPr>
-        <c:crossAx val="-1350045280"/>
+        <c:crossAx val="-1937273888"/>
         <c:crosses val="autoZero"/>
         <c:crossBetween val="between"/>
       </c:valAx>
@@ -1050,7 +1045,6 @@
     </c:plotArea>
     <c:legend>
       <c:legendPos val="b"/>
-      <c:layout/>
       <c:overlay val="0"/>
       <c:spPr>
         <a:noFill/>
@@ -7249,7 +7243,7 @@
       </p:sp>
       <p:pic>
         <p:nvPicPr>
-          <p:cNvPr id="3" name="Picture 2"/>
+          <p:cNvPr id="5" name="Picture 4"/>
           <p:cNvPicPr>
             <a:picLocks noChangeAspect="1"/>
           </p:cNvPicPr>
@@ -7263,8 +7257,8 @@
         </p:blipFill>
         <p:spPr>
           <a:xfrm>
-            <a:off x="1536700" y="1682616"/>
-            <a:ext cx="9448132" cy="4066488"/>
+            <a:off x="1419726" y="1755598"/>
+            <a:ext cx="9589169" cy="3993505"/>
           </a:xfrm>
           <a:prstGeom prst="rect">
             <a:avLst/>

--- a/trunk/9. Presentation/AS_DeadlineTeam_Week24.pptx
+++ b/trunk/9. Presentation/AS_DeadlineTeam_Week24.pptx
@@ -391,11 +391,11 @@
           <c:showBubbleSize val="0"/>
         </c:dLbls>
         <c:gapWidth val="182"/>
-        <c:axId val="-1937280416"/>
-        <c:axId val="-1937286944"/>
+        <c:axId val="299331648"/>
+        <c:axId val="299321312"/>
       </c:barChart>
       <c:catAx>
-        <c:axId val="-1937280416"/>
+        <c:axId val="299331648"/>
         <c:scaling>
           <c:orientation val="minMax"/>
         </c:scaling>
@@ -435,7 +435,7 @@
             <a:endParaRPr lang="en-US"/>
           </a:p>
         </c:txPr>
-        <c:crossAx val="-1937286944"/>
+        <c:crossAx val="299321312"/>
         <c:crosses val="autoZero"/>
         <c:auto val="1"/>
         <c:lblAlgn val="ctr"/>
@@ -443,7 +443,7 @@
         <c:noMultiLvlLbl val="0"/>
       </c:catAx>
       <c:valAx>
-        <c:axId val="-1937286944"/>
+        <c:axId val="299321312"/>
         <c:scaling>
           <c:orientation val="minMax"/>
         </c:scaling>
@@ -489,7 +489,7 @@
             <a:endParaRPr lang="en-US"/>
           </a:p>
         </c:txPr>
-        <c:crossAx val="-1937280416"/>
+        <c:crossAx val="299331648"/>
         <c:crosses val="autoZero"/>
         <c:crossBetween val="between"/>
       </c:valAx>
@@ -901,11 +901,11 @@
         </c:dLbls>
         <c:gapWidth val="267"/>
         <c:overlap val="-43"/>
-        <c:axId val="-1937273888"/>
-        <c:axId val="-1937282048"/>
+        <c:axId val="299317504"/>
+        <c:axId val="299325664"/>
       </c:barChart>
       <c:catAx>
-        <c:axId val="-1937273888"/>
+        <c:axId val="299317504"/>
         <c:scaling>
           <c:orientation val="minMax"/>
         </c:scaling>
@@ -962,7 +962,7 @@
             <a:endParaRPr lang="en-US"/>
           </a:p>
         </c:txPr>
-        <c:crossAx val="-1937282048"/>
+        <c:crossAx val="299325664"/>
         <c:crosses val="autoZero"/>
         <c:auto val="1"/>
         <c:lblAlgn val="ctr"/>
@@ -970,7 +970,7 @@
         <c:noMultiLvlLbl val="0"/>
       </c:catAx>
       <c:valAx>
-        <c:axId val="-1937282048"/>
+        <c:axId val="299325664"/>
         <c:scaling>
           <c:orientation val="minMax"/>
         </c:scaling>
@@ -1021,7 +1021,7 @@
             <a:endParaRPr lang="en-US"/>
           </a:p>
         </c:txPr>
-        <c:crossAx val="-1937273888"/>
+        <c:crossAx val="299317504"/>
         <c:crosses val="autoZero"/>
         <c:crossBetween val="between"/>
       </c:valAx>
@@ -1826,7 +1826,7 @@
           <a:p>
             <a:fld id="{6D892D68-995E-4539-9486-B6D10005290E}" type="datetimeFigureOut">
               <a:rPr lang="vi-VN" smtClean="0"/>
-              <a:t>23/04/2014</a:t>
+              <a:t>24/04/2014</a:t>
             </a:fld>
             <a:endParaRPr lang="vi-VN"/>
           </a:p>
@@ -1996,7 +1996,7 @@
           <a:p>
             <a:fld id="{6D892D68-995E-4539-9486-B6D10005290E}" type="datetimeFigureOut">
               <a:rPr lang="vi-VN" smtClean="0"/>
-              <a:t>23/04/2014</a:t>
+              <a:t>24/04/2014</a:t>
             </a:fld>
             <a:endParaRPr lang="vi-VN"/>
           </a:p>
@@ -2176,7 +2176,7 @@
           <a:p>
             <a:fld id="{6D892D68-995E-4539-9486-B6D10005290E}" type="datetimeFigureOut">
               <a:rPr lang="vi-VN" smtClean="0"/>
-              <a:t>23/04/2014</a:t>
+              <a:t>24/04/2014</a:t>
             </a:fld>
             <a:endParaRPr lang="vi-VN"/>
           </a:p>
@@ -2346,7 +2346,7 @@
           <a:p>
             <a:fld id="{6D892D68-995E-4539-9486-B6D10005290E}" type="datetimeFigureOut">
               <a:rPr lang="vi-VN" smtClean="0"/>
-              <a:t>23/04/2014</a:t>
+              <a:t>24/04/2014</a:t>
             </a:fld>
             <a:endParaRPr lang="vi-VN"/>
           </a:p>
@@ -2592,7 +2592,7 @@
           <a:p>
             <a:fld id="{6D892D68-995E-4539-9486-B6D10005290E}" type="datetimeFigureOut">
               <a:rPr lang="vi-VN" smtClean="0"/>
-              <a:t>23/04/2014</a:t>
+              <a:t>24/04/2014</a:t>
             </a:fld>
             <a:endParaRPr lang="vi-VN"/>
           </a:p>
@@ -2824,7 +2824,7 @@
           <a:p>
             <a:fld id="{6D892D68-995E-4539-9486-B6D10005290E}" type="datetimeFigureOut">
               <a:rPr lang="vi-VN" smtClean="0"/>
-              <a:t>23/04/2014</a:t>
+              <a:t>24/04/2014</a:t>
             </a:fld>
             <a:endParaRPr lang="vi-VN"/>
           </a:p>
@@ -3191,7 +3191,7 @@
           <a:p>
             <a:fld id="{6D892D68-995E-4539-9486-B6D10005290E}" type="datetimeFigureOut">
               <a:rPr lang="vi-VN" smtClean="0"/>
-              <a:t>23/04/2014</a:t>
+              <a:t>24/04/2014</a:t>
             </a:fld>
             <a:endParaRPr lang="vi-VN"/>
           </a:p>
@@ -3309,7 +3309,7 @@
           <a:p>
             <a:fld id="{6D892D68-995E-4539-9486-B6D10005290E}" type="datetimeFigureOut">
               <a:rPr lang="vi-VN" smtClean="0"/>
-              <a:t>23/04/2014</a:t>
+              <a:t>24/04/2014</a:t>
             </a:fld>
             <a:endParaRPr lang="vi-VN"/>
           </a:p>
@@ -3404,7 +3404,7 @@
           <a:p>
             <a:fld id="{6D892D68-995E-4539-9486-B6D10005290E}" type="datetimeFigureOut">
               <a:rPr lang="vi-VN" smtClean="0"/>
-              <a:t>23/04/2014</a:t>
+              <a:t>24/04/2014</a:t>
             </a:fld>
             <a:endParaRPr lang="vi-VN"/>
           </a:p>
@@ -3681,7 +3681,7 @@
           <a:p>
             <a:fld id="{6D892D68-995E-4539-9486-B6D10005290E}" type="datetimeFigureOut">
               <a:rPr lang="vi-VN" smtClean="0"/>
-              <a:t>23/04/2014</a:t>
+              <a:t>24/04/2014</a:t>
             </a:fld>
             <a:endParaRPr lang="vi-VN"/>
           </a:p>
@@ -3934,7 +3934,7 @@
           <a:p>
             <a:fld id="{6D892D68-995E-4539-9486-B6D10005290E}" type="datetimeFigureOut">
               <a:rPr lang="vi-VN" smtClean="0"/>
-              <a:t>23/04/2014</a:t>
+              <a:t>24/04/2014</a:t>
             </a:fld>
             <a:endParaRPr lang="vi-VN"/>
           </a:p>
@@ -4147,7 +4147,7 @@
           <a:p>
             <a:fld id="{6D892D68-995E-4539-9486-B6D10005290E}" type="datetimeFigureOut">
               <a:rPr lang="vi-VN" smtClean="0"/>
-              <a:t>23/04/2014</a:t>
+              <a:t>24/04/2014</a:t>
             </a:fld>
             <a:endParaRPr lang="vi-VN"/>
           </a:p>
@@ -5566,7 +5566,7 @@
           <p:nvPr>
             <p:extLst>
               <p:ext uri="{D42A27DB-BD31-4B8C-83A1-F6EECF244321}">
-                <p14:modId xmlns:p14="http://schemas.microsoft.com/office/powerpoint/2010/main" val="2814600974"/>
+                <p14:modId xmlns:p14="http://schemas.microsoft.com/office/powerpoint/2010/main" val="412689125"/>
               </p:ext>
             </p:extLst>
           </p:nvPr>
@@ -6446,14 +6446,21 @@
                           <a:latin typeface="Times New Roman" panose="02020603050405020304" pitchFamily="18" charset="0"/>
                           <a:cs typeface="Times New Roman" panose="02020603050405020304" pitchFamily="18" charset="0"/>
                         </a:rPr>
-                        <a:t>Review</a:t>
+                        <a:t>Review and update</a:t>
                       </a:r>
                       <a:r>
                         <a:rPr lang="en-US" sz="1400" baseline="0" dirty="0" smtClean="0">
                           <a:latin typeface="Times New Roman" panose="02020603050405020304" pitchFamily="18" charset="0"/>
                           <a:cs typeface="Times New Roman" panose="02020603050405020304" pitchFamily="18" charset="0"/>
                         </a:rPr>
-                        <a:t> documents of 3 sprints</a:t>
+                        <a:t> </a:t>
+                      </a:r>
+                      <a:r>
+                        <a:rPr lang="en-US" sz="1400" baseline="0" dirty="0" smtClean="0">
+                          <a:latin typeface="Times New Roman" panose="02020603050405020304" pitchFamily="18" charset="0"/>
+                          <a:cs typeface="Times New Roman" panose="02020603050405020304" pitchFamily="18" charset="0"/>
+                        </a:rPr>
+                        <a:t>documents of 3 sprints</a:t>
                       </a:r>
                       <a:endParaRPr lang="en-US" sz="1400" dirty="0">
                         <a:latin typeface="Times New Roman" panose="02020603050405020304" pitchFamily="18" charset="0"/>
